--- a/PPT/Class period 20.pptx
+++ b/PPT/Class period 20.pptx
@@ -206,9 +206,9 @@
             </a:lvl1pPr>
           </a:lstStyle>
           <a:p>
-            <a:fld id="{461E0C40-470E-4C68-A660-B1A079532B97}" type="datetimeFigureOut">
+            <a:fld id="{3D9A43FD-B287-4477-80FF-E9B8CD360078}" type="datetimeFigureOut">
               <a:rPr lang="en-US" smtClean="0"/>
-              <a:t>4/20/2024</a:t>
+              <a:t>5/15/2024</a:t>
             </a:fld>
             <a:endParaRPr lang="en-US"/>
           </a:p>
@@ -364,7 +364,7 @@
             </a:lvl1pPr>
           </a:lstStyle>
           <a:p>
-            <a:fld id="{2FC62943-0027-45CA-8E97-D07210A71273}" type="slidenum">
+            <a:fld id="{053CD950-898D-4937-AB03-A6C734266BE6}" type="slidenum">
               <a:rPr lang="en-US" smtClean="0"/>
               <a:t>‹#›</a:t>
             </a:fld>
@@ -375,7 +375,7 @@
     </p:spTree>
     <p:extLst>
       <p:ext uri="{BB962C8B-B14F-4D97-AF65-F5344CB8AC3E}">
-        <p14:creationId xmlns:p14="http://schemas.microsoft.com/office/powerpoint/2010/main" val="1702059440"/>
+        <p14:creationId xmlns:p14="http://schemas.microsoft.com/office/powerpoint/2010/main" val="78709333"/>
       </p:ext>
     </p:extLst>
   </p:cSld>
@@ -581,7 +581,7 @@
           <p:cNvPr id="2" name="Title 1">
             <a:extLst>
               <a:ext uri="{FF2B5EF4-FFF2-40B4-BE49-F238E27FC236}">
-                <a16:creationId xmlns:a16="http://schemas.microsoft.com/office/drawing/2014/main" id="{26247C89-071D-5B6B-DF21-A82B1B5526F9}"/>
+                <a16:creationId xmlns:a16="http://schemas.microsoft.com/office/drawing/2014/main" id="{D8C6232B-2CAA-B65F-8ED6-8D97A87EAF9C}"/>
               </a:ext>
             </a:extLst>
           </p:cNvPr>
@@ -618,7 +618,7 @@
           <p:cNvPr id="3" name="Subtitle 2">
             <a:extLst>
               <a:ext uri="{FF2B5EF4-FFF2-40B4-BE49-F238E27FC236}">
-                <a16:creationId xmlns:a16="http://schemas.microsoft.com/office/drawing/2014/main" id="{151204A7-F2E8-E3E8-7791-76A842E63584}"/>
+                <a16:creationId xmlns:a16="http://schemas.microsoft.com/office/drawing/2014/main" id="{47EFB001-88FE-0534-72B9-EC364CCB5078}"/>
               </a:ext>
             </a:extLst>
           </p:cNvPr>
@@ -688,7 +688,7 @@
           <p:cNvPr id="4" name="Date Placeholder 3">
             <a:extLst>
               <a:ext uri="{FF2B5EF4-FFF2-40B4-BE49-F238E27FC236}">
-                <a16:creationId xmlns:a16="http://schemas.microsoft.com/office/drawing/2014/main" id="{F4EA27D8-3347-897B-E353-E95123C973CE}"/>
+                <a16:creationId xmlns:a16="http://schemas.microsoft.com/office/drawing/2014/main" id="{84F2D26C-6685-612C-C5DB-ADB74E3352FE}"/>
               </a:ext>
             </a:extLst>
           </p:cNvPr>
@@ -704,9 +704,9 @@
           <a:bodyPr/>
           <a:lstStyle/>
           <a:p>
-            <a:fld id="{6D9FDE46-6747-4AAB-9A5B-5F20ABF101B7}" type="datetimeFigureOut">
+            <a:fld id="{55CC4C02-3072-45D0-A6DA-7928F168FEBD}" type="datetimeFigureOut">
               <a:rPr lang="en-US" smtClean="0"/>
-              <a:t>4/20/2024</a:t>
+              <a:t>5/15/2024</a:t>
             </a:fld>
             <a:endParaRPr lang="en-US"/>
           </a:p>
@@ -717,7 +717,7 @@
           <p:cNvPr id="5" name="Footer Placeholder 4">
             <a:extLst>
               <a:ext uri="{FF2B5EF4-FFF2-40B4-BE49-F238E27FC236}">
-                <a16:creationId xmlns:a16="http://schemas.microsoft.com/office/drawing/2014/main" id="{1110A59F-7825-9FC6-0319-34299DC24DEF}"/>
+                <a16:creationId xmlns:a16="http://schemas.microsoft.com/office/drawing/2014/main" id="{29D4FC54-0A8C-6742-60F1-68C554B0F9DE}"/>
               </a:ext>
             </a:extLst>
           </p:cNvPr>
@@ -742,7 +742,7 @@
           <p:cNvPr id="6" name="Slide Number Placeholder 5">
             <a:extLst>
               <a:ext uri="{FF2B5EF4-FFF2-40B4-BE49-F238E27FC236}">
-                <a16:creationId xmlns:a16="http://schemas.microsoft.com/office/drawing/2014/main" id="{B43FFFA1-E6CE-5D2B-7CBA-2B09DC5538E1}"/>
+                <a16:creationId xmlns:a16="http://schemas.microsoft.com/office/drawing/2014/main" id="{873B0F58-1241-4030-9043-5A9010C0E9AB}"/>
               </a:ext>
             </a:extLst>
           </p:cNvPr>
@@ -758,7 +758,7 @@
           <a:bodyPr/>
           <a:lstStyle/>
           <a:p>
-            <a:fld id="{EE984A01-63D9-4E11-BBF3-571464F961EE}" type="slidenum">
+            <a:fld id="{39C6F7E5-9A19-4C70-B833-A888FFED86D9}" type="slidenum">
               <a:rPr lang="en-US" smtClean="0"/>
               <a:t>‹#›</a:t>
             </a:fld>
@@ -769,7 +769,7 @@
     </p:spTree>
     <p:extLst>
       <p:ext uri="{BB962C8B-B14F-4D97-AF65-F5344CB8AC3E}">
-        <p14:creationId xmlns:p14="http://schemas.microsoft.com/office/powerpoint/2010/main" val="2601459542"/>
+        <p14:creationId xmlns:p14="http://schemas.microsoft.com/office/powerpoint/2010/main" val="3588052315"/>
       </p:ext>
     </p:extLst>
   </p:cSld>
@@ -801,7 +801,7 @@
           <p:cNvPr id="2" name="Title 1">
             <a:extLst>
               <a:ext uri="{FF2B5EF4-FFF2-40B4-BE49-F238E27FC236}">
-                <a16:creationId xmlns:a16="http://schemas.microsoft.com/office/drawing/2014/main" id="{4B8F4B03-69CF-A895-1AEE-0757D243E107}"/>
+                <a16:creationId xmlns:a16="http://schemas.microsoft.com/office/drawing/2014/main" id="{D13AF580-8B98-1A4A-064F-E12448BF7874}"/>
               </a:ext>
             </a:extLst>
           </p:cNvPr>
@@ -829,7 +829,7 @@
           <p:cNvPr id="3" name="Vertical Text Placeholder 2">
             <a:extLst>
               <a:ext uri="{FF2B5EF4-FFF2-40B4-BE49-F238E27FC236}">
-                <a16:creationId xmlns:a16="http://schemas.microsoft.com/office/drawing/2014/main" id="{367625A7-5A01-68D6-E839-77A2DCC1A9B0}"/>
+                <a16:creationId xmlns:a16="http://schemas.microsoft.com/office/drawing/2014/main" id="{04EC3EBE-C1DF-FA02-4B6C-AAB161CCC0A4}"/>
               </a:ext>
             </a:extLst>
           </p:cNvPr>
@@ -886,7 +886,7 @@
           <p:cNvPr id="4" name="Date Placeholder 3">
             <a:extLst>
               <a:ext uri="{FF2B5EF4-FFF2-40B4-BE49-F238E27FC236}">
-                <a16:creationId xmlns:a16="http://schemas.microsoft.com/office/drawing/2014/main" id="{CB3EB226-5130-C563-7309-E01DAFACCFE9}"/>
+                <a16:creationId xmlns:a16="http://schemas.microsoft.com/office/drawing/2014/main" id="{9367D90D-076E-7A9B-A6B7-D1D96D720F04}"/>
               </a:ext>
             </a:extLst>
           </p:cNvPr>
@@ -902,9 +902,9 @@
           <a:bodyPr/>
           <a:lstStyle/>
           <a:p>
-            <a:fld id="{6D9FDE46-6747-4AAB-9A5B-5F20ABF101B7}" type="datetimeFigureOut">
+            <a:fld id="{55CC4C02-3072-45D0-A6DA-7928F168FEBD}" type="datetimeFigureOut">
               <a:rPr lang="en-US" smtClean="0"/>
-              <a:t>4/20/2024</a:t>
+              <a:t>5/15/2024</a:t>
             </a:fld>
             <a:endParaRPr lang="en-US"/>
           </a:p>
@@ -915,7 +915,7 @@
           <p:cNvPr id="5" name="Footer Placeholder 4">
             <a:extLst>
               <a:ext uri="{FF2B5EF4-FFF2-40B4-BE49-F238E27FC236}">
-                <a16:creationId xmlns:a16="http://schemas.microsoft.com/office/drawing/2014/main" id="{B806E160-7A44-737E-6B87-9BAC551D6308}"/>
+                <a16:creationId xmlns:a16="http://schemas.microsoft.com/office/drawing/2014/main" id="{E172B28A-3058-5E29-6C46-6599D4106ADA}"/>
               </a:ext>
             </a:extLst>
           </p:cNvPr>
@@ -940,7 +940,7 @@
           <p:cNvPr id="6" name="Slide Number Placeholder 5">
             <a:extLst>
               <a:ext uri="{FF2B5EF4-FFF2-40B4-BE49-F238E27FC236}">
-                <a16:creationId xmlns:a16="http://schemas.microsoft.com/office/drawing/2014/main" id="{BAAB0D7D-75D1-8644-5219-8D605425162F}"/>
+                <a16:creationId xmlns:a16="http://schemas.microsoft.com/office/drawing/2014/main" id="{A4366689-A0AA-2034-5EF9-DA1DFC887974}"/>
               </a:ext>
             </a:extLst>
           </p:cNvPr>
@@ -956,7 +956,7 @@
           <a:bodyPr/>
           <a:lstStyle/>
           <a:p>
-            <a:fld id="{EE984A01-63D9-4E11-BBF3-571464F961EE}" type="slidenum">
+            <a:fld id="{39C6F7E5-9A19-4C70-B833-A888FFED86D9}" type="slidenum">
               <a:rPr lang="en-US" smtClean="0"/>
               <a:t>‹#›</a:t>
             </a:fld>
@@ -967,7 +967,7 @@
     </p:spTree>
     <p:extLst>
       <p:ext uri="{BB962C8B-B14F-4D97-AF65-F5344CB8AC3E}">
-        <p14:creationId xmlns:p14="http://schemas.microsoft.com/office/powerpoint/2010/main" val="660870079"/>
+        <p14:creationId xmlns:p14="http://schemas.microsoft.com/office/powerpoint/2010/main" val="1316235777"/>
       </p:ext>
     </p:extLst>
   </p:cSld>
@@ -999,7 +999,7 @@
           <p:cNvPr id="2" name="Vertical Title 1">
             <a:extLst>
               <a:ext uri="{FF2B5EF4-FFF2-40B4-BE49-F238E27FC236}">
-                <a16:creationId xmlns:a16="http://schemas.microsoft.com/office/drawing/2014/main" id="{59D065C8-43B8-EDE6-2AB9-5F9FBB089AA0}"/>
+                <a16:creationId xmlns:a16="http://schemas.microsoft.com/office/drawing/2014/main" id="{BF31F31D-6A4C-6D9B-8B2F-FFF30DDA9941}"/>
               </a:ext>
             </a:extLst>
           </p:cNvPr>
@@ -1032,7 +1032,7 @@
           <p:cNvPr id="3" name="Vertical Text Placeholder 2">
             <a:extLst>
               <a:ext uri="{FF2B5EF4-FFF2-40B4-BE49-F238E27FC236}">
-                <a16:creationId xmlns:a16="http://schemas.microsoft.com/office/drawing/2014/main" id="{22E61879-EA30-BD62-CDD1-99C54E07BD10}"/>
+                <a16:creationId xmlns:a16="http://schemas.microsoft.com/office/drawing/2014/main" id="{FF89C870-BD27-D4DA-3123-E068ACEA645F}"/>
               </a:ext>
             </a:extLst>
           </p:cNvPr>
@@ -1094,7 +1094,7 @@
           <p:cNvPr id="4" name="Date Placeholder 3">
             <a:extLst>
               <a:ext uri="{FF2B5EF4-FFF2-40B4-BE49-F238E27FC236}">
-                <a16:creationId xmlns:a16="http://schemas.microsoft.com/office/drawing/2014/main" id="{A297CAEC-FBD9-DF51-5F87-5C7245E8758F}"/>
+                <a16:creationId xmlns:a16="http://schemas.microsoft.com/office/drawing/2014/main" id="{F461C1D6-38AD-131D-310B-9CECE11D2602}"/>
               </a:ext>
             </a:extLst>
           </p:cNvPr>
@@ -1110,9 +1110,9 @@
           <a:bodyPr/>
           <a:lstStyle/>
           <a:p>
-            <a:fld id="{6D9FDE46-6747-4AAB-9A5B-5F20ABF101B7}" type="datetimeFigureOut">
+            <a:fld id="{55CC4C02-3072-45D0-A6DA-7928F168FEBD}" type="datetimeFigureOut">
               <a:rPr lang="en-US" smtClean="0"/>
-              <a:t>4/20/2024</a:t>
+              <a:t>5/15/2024</a:t>
             </a:fld>
             <a:endParaRPr lang="en-US"/>
           </a:p>
@@ -1123,7 +1123,7 @@
           <p:cNvPr id="5" name="Footer Placeholder 4">
             <a:extLst>
               <a:ext uri="{FF2B5EF4-FFF2-40B4-BE49-F238E27FC236}">
-                <a16:creationId xmlns:a16="http://schemas.microsoft.com/office/drawing/2014/main" id="{A767CA19-BC2A-71C5-6ECF-41574C88C7A0}"/>
+                <a16:creationId xmlns:a16="http://schemas.microsoft.com/office/drawing/2014/main" id="{55161D1C-A616-245A-C97A-4E0584C61366}"/>
               </a:ext>
             </a:extLst>
           </p:cNvPr>
@@ -1148,7 +1148,7 @@
           <p:cNvPr id="6" name="Slide Number Placeholder 5">
             <a:extLst>
               <a:ext uri="{FF2B5EF4-FFF2-40B4-BE49-F238E27FC236}">
-                <a16:creationId xmlns:a16="http://schemas.microsoft.com/office/drawing/2014/main" id="{4D493563-394D-F9C5-5685-AE4862E8E57F}"/>
+                <a16:creationId xmlns:a16="http://schemas.microsoft.com/office/drawing/2014/main" id="{43EB85C4-C276-923E-B3C1-F7923BF8B3A5}"/>
               </a:ext>
             </a:extLst>
           </p:cNvPr>
@@ -1164,7 +1164,7 @@
           <a:bodyPr/>
           <a:lstStyle/>
           <a:p>
-            <a:fld id="{EE984A01-63D9-4E11-BBF3-571464F961EE}" type="slidenum">
+            <a:fld id="{39C6F7E5-9A19-4C70-B833-A888FFED86D9}" type="slidenum">
               <a:rPr lang="en-US" smtClean="0"/>
               <a:t>‹#›</a:t>
             </a:fld>
@@ -1175,7 +1175,7 @@
     </p:spTree>
     <p:extLst>
       <p:ext uri="{BB962C8B-B14F-4D97-AF65-F5344CB8AC3E}">
-        <p14:creationId xmlns:p14="http://schemas.microsoft.com/office/powerpoint/2010/main" val="1240021749"/>
+        <p14:creationId xmlns:p14="http://schemas.microsoft.com/office/powerpoint/2010/main" val="472316789"/>
       </p:ext>
     </p:extLst>
   </p:cSld>
@@ -1207,7 +1207,7 @@
           <p:cNvPr id="2" name="Title 1">
             <a:extLst>
               <a:ext uri="{FF2B5EF4-FFF2-40B4-BE49-F238E27FC236}">
-                <a16:creationId xmlns:a16="http://schemas.microsoft.com/office/drawing/2014/main" id="{6576FA61-0138-BBAA-575E-937984B285C4}"/>
+                <a16:creationId xmlns:a16="http://schemas.microsoft.com/office/drawing/2014/main" id="{DF833D01-CDAC-397F-120F-643E46BE5765}"/>
               </a:ext>
             </a:extLst>
           </p:cNvPr>
@@ -1235,7 +1235,7 @@
           <p:cNvPr id="3" name="Content Placeholder 2">
             <a:extLst>
               <a:ext uri="{FF2B5EF4-FFF2-40B4-BE49-F238E27FC236}">
-                <a16:creationId xmlns:a16="http://schemas.microsoft.com/office/drawing/2014/main" id="{A968105F-86A7-6023-B4E9-A0E0ABBF6A5E}"/>
+                <a16:creationId xmlns:a16="http://schemas.microsoft.com/office/drawing/2014/main" id="{D2B8E658-61DA-A29C-47FC-B167A2BCE241}"/>
               </a:ext>
             </a:extLst>
           </p:cNvPr>
@@ -1292,7 +1292,7 @@
           <p:cNvPr id="4" name="Date Placeholder 3">
             <a:extLst>
               <a:ext uri="{FF2B5EF4-FFF2-40B4-BE49-F238E27FC236}">
-                <a16:creationId xmlns:a16="http://schemas.microsoft.com/office/drawing/2014/main" id="{1D5AC017-D4FB-9B41-3C0D-5FE23CB055D9}"/>
+                <a16:creationId xmlns:a16="http://schemas.microsoft.com/office/drawing/2014/main" id="{BCD040D6-DF4C-9739-B508-F82A8069DABE}"/>
               </a:ext>
             </a:extLst>
           </p:cNvPr>
@@ -1308,9 +1308,9 @@
           <a:bodyPr/>
           <a:lstStyle/>
           <a:p>
-            <a:fld id="{6D9FDE46-6747-4AAB-9A5B-5F20ABF101B7}" type="datetimeFigureOut">
+            <a:fld id="{55CC4C02-3072-45D0-A6DA-7928F168FEBD}" type="datetimeFigureOut">
               <a:rPr lang="en-US" smtClean="0"/>
-              <a:t>4/20/2024</a:t>
+              <a:t>5/15/2024</a:t>
             </a:fld>
             <a:endParaRPr lang="en-US"/>
           </a:p>
@@ -1321,7 +1321,7 @@
           <p:cNvPr id="5" name="Footer Placeholder 4">
             <a:extLst>
               <a:ext uri="{FF2B5EF4-FFF2-40B4-BE49-F238E27FC236}">
-                <a16:creationId xmlns:a16="http://schemas.microsoft.com/office/drawing/2014/main" id="{79AB03E7-862A-C39A-DBD6-5118235FCDD4}"/>
+                <a16:creationId xmlns:a16="http://schemas.microsoft.com/office/drawing/2014/main" id="{0784D205-376D-D1FB-C159-29A992302840}"/>
               </a:ext>
             </a:extLst>
           </p:cNvPr>
@@ -1346,7 +1346,7 @@
           <p:cNvPr id="6" name="Slide Number Placeholder 5">
             <a:extLst>
               <a:ext uri="{FF2B5EF4-FFF2-40B4-BE49-F238E27FC236}">
-                <a16:creationId xmlns:a16="http://schemas.microsoft.com/office/drawing/2014/main" id="{7F35CA4B-97E6-4CDC-ECDA-4B032F0FBF2E}"/>
+                <a16:creationId xmlns:a16="http://schemas.microsoft.com/office/drawing/2014/main" id="{FAF75777-7CDD-2E95-C3A6-2CED7C6BC43C}"/>
               </a:ext>
             </a:extLst>
           </p:cNvPr>
@@ -1362,7 +1362,7 @@
           <a:bodyPr/>
           <a:lstStyle/>
           <a:p>
-            <a:fld id="{EE984A01-63D9-4E11-BBF3-571464F961EE}" type="slidenum">
+            <a:fld id="{39C6F7E5-9A19-4C70-B833-A888FFED86D9}" type="slidenum">
               <a:rPr lang="en-US" smtClean="0"/>
               <a:t>‹#›</a:t>
             </a:fld>
@@ -1373,7 +1373,7 @@
     </p:spTree>
     <p:extLst>
       <p:ext uri="{BB962C8B-B14F-4D97-AF65-F5344CB8AC3E}">
-        <p14:creationId xmlns:p14="http://schemas.microsoft.com/office/powerpoint/2010/main" val="2112015553"/>
+        <p14:creationId xmlns:p14="http://schemas.microsoft.com/office/powerpoint/2010/main" val="1622336982"/>
       </p:ext>
     </p:extLst>
   </p:cSld>
@@ -1405,7 +1405,7 @@
           <p:cNvPr id="2" name="Title 1">
             <a:extLst>
               <a:ext uri="{FF2B5EF4-FFF2-40B4-BE49-F238E27FC236}">
-                <a16:creationId xmlns:a16="http://schemas.microsoft.com/office/drawing/2014/main" id="{237A7BA7-66F3-114E-97C4-E410D6493CF7}"/>
+                <a16:creationId xmlns:a16="http://schemas.microsoft.com/office/drawing/2014/main" id="{42CAB579-5287-0E7F-0E2E-34D40886FD60}"/>
               </a:ext>
             </a:extLst>
           </p:cNvPr>
@@ -1442,7 +1442,7 @@
           <p:cNvPr id="3" name="Text Placeholder 2">
             <a:extLst>
               <a:ext uri="{FF2B5EF4-FFF2-40B4-BE49-F238E27FC236}">
-                <a16:creationId xmlns:a16="http://schemas.microsoft.com/office/drawing/2014/main" id="{01110986-5CD5-8503-1760-5FB474D4CC2F}"/>
+                <a16:creationId xmlns:a16="http://schemas.microsoft.com/office/drawing/2014/main" id="{1F62DDA8-B1FB-F9EB-E305-4F3D3BEBE0B3}"/>
               </a:ext>
             </a:extLst>
           </p:cNvPr>
@@ -1567,7 +1567,7 @@
           <p:cNvPr id="4" name="Date Placeholder 3">
             <a:extLst>
               <a:ext uri="{FF2B5EF4-FFF2-40B4-BE49-F238E27FC236}">
-                <a16:creationId xmlns:a16="http://schemas.microsoft.com/office/drawing/2014/main" id="{6746CAF8-7472-3DDE-05B5-C86377319664}"/>
+                <a16:creationId xmlns:a16="http://schemas.microsoft.com/office/drawing/2014/main" id="{11E63B91-FBDA-0C84-AFD0-C3101AA44416}"/>
               </a:ext>
             </a:extLst>
           </p:cNvPr>
@@ -1583,9 +1583,9 @@
           <a:bodyPr/>
           <a:lstStyle/>
           <a:p>
-            <a:fld id="{6D9FDE46-6747-4AAB-9A5B-5F20ABF101B7}" type="datetimeFigureOut">
+            <a:fld id="{55CC4C02-3072-45D0-A6DA-7928F168FEBD}" type="datetimeFigureOut">
               <a:rPr lang="en-US" smtClean="0"/>
-              <a:t>4/20/2024</a:t>
+              <a:t>5/15/2024</a:t>
             </a:fld>
             <a:endParaRPr lang="en-US"/>
           </a:p>
@@ -1596,7 +1596,7 @@
           <p:cNvPr id="5" name="Footer Placeholder 4">
             <a:extLst>
               <a:ext uri="{FF2B5EF4-FFF2-40B4-BE49-F238E27FC236}">
-                <a16:creationId xmlns:a16="http://schemas.microsoft.com/office/drawing/2014/main" id="{7B4A7140-756C-E421-C82C-088AA3AE2999}"/>
+                <a16:creationId xmlns:a16="http://schemas.microsoft.com/office/drawing/2014/main" id="{D0FA3442-EA19-F4EC-B9E1-66224CEE03CB}"/>
               </a:ext>
             </a:extLst>
           </p:cNvPr>
@@ -1621,7 +1621,7 @@
           <p:cNvPr id="6" name="Slide Number Placeholder 5">
             <a:extLst>
               <a:ext uri="{FF2B5EF4-FFF2-40B4-BE49-F238E27FC236}">
-                <a16:creationId xmlns:a16="http://schemas.microsoft.com/office/drawing/2014/main" id="{ADA4CCD4-4B0D-620A-4C7B-F2A37B92897C}"/>
+                <a16:creationId xmlns:a16="http://schemas.microsoft.com/office/drawing/2014/main" id="{07B38F39-1410-C504-C4B8-12981B05ADB3}"/>
               </a:ext>
             </a:extLst>
           </p:cNvPr>
@@ -1637,7 +1637,7 @@
           <a:bodyPr/>
           <a:lstStyle/>
           <a:p>
-            <a:fld id="{EE984A01-63D9-4E11-BBF3-571464F961EE}" type="slidenum">
+            <a:fld id="{39C6F7E5-9A19-4C70-B833-A888FFED86D9}" type="slidenum">
               <a:rPr lang="en-US" smtClean="0"/>
               <a:t>‹#›</a:t>
             </a:fld>
@@ -1648,7 +1648,7 @@
     </p:spTree>
     <p:extLst>
       <p:ext uri="{BB962C8B-B14F-4D97-AF65-F5344CB8AC3E}">
-        <p14:creationId xmlns:p14="http://schemas.microsoft.com/office/powerpoint/2010/main" val="580362459"/>
+        <p14:creationId xmlns:p14="http://schemas.microsoft.com/office/powerpoint/2010/main" val="136392857"/>
       </p:ext>
     </p:extLst>
   </p:cSld>
@@ -1680,7 +1680,7 @@
           <p:cNvPr id="2" name="Title 1">
             <a:extLst>
               <a:ext uri="{FF2B5EF4-FFF2-40B4-BE49-F238E27FC236}">
-                <a16:creationId xmlns:a16="http://schemas.microsoft.com/office/drawing/2014/main" id="{C646B39A-56A4-B0A3-7235-E66A83381CC6}"/>
+                <a16:creationId xmlns:a16="http://schemas.microsoft.com/office/drawing/2014/main" id="{FF228FA9-875A-2BF5-DBD7-8171BCAB8D93}"/>
               </a:ext>
             </a:extLst>
           </p:cNvPr>
@@ -1708,7 +1708,7 @@
           <p:cNvPr id="3" name="Content Placeholder 2">
             <a:extLst>
               <a:ext uri="{FF2B5EF4-FFF2-40B4-BE49-F238E27FC236}">
-                <a16:creationId xmlns:a16="http://schemas.microsoft.com/office/drawing/2014/main" id="{64368F7C-EAA5-A220-9F7E-16C843A69551}"/>
+                <a16:creationId xmlns:a16="http://schemas.microsoft.com/office/drawing/2014/main" id="{5DC4DC25-328C-91F7-65C1-D1D6218C8C36}"/>
               </a:ext>
             </a:extLst>
           </p:cNvPr>
@@ -1770,7 +1770,7 @@
           <p:cNvPr id="4" name="Content Placeholder 3">
             <a:extLst>
               <a:ext uri="{FF2B5EF4-FFF2-40B4-BE49-F238E27FC236}">
-                <a16:creationId xmlns:a16="http://schemas.microsoft.com/office/drawing/2014/main" id="{087AD380-ADD5-CF2E-51B2-C716FB87D44B}"/>
+                <a16:creationId xmlns:a16="http://schemas.microsoft.com/office/drawing/2014/main" id="{75F231BE-647B-A15C-8B68-42B30AA70A42}"/>
               </a:ext>
             </a:extLst>
           </p:cNvPr>
@@ -1832,7 +1832,7 @@
           <p:cNvPr id="5" name="Date Placeholder 4">
             <a:extLst>
               <a:ext uri="{FF2B5EF4-FFF2-40B4-BE49-F238E27FC236}">
-                <a16:creationId xmlns:a16="http://schemas.microsoft.com/office/drawing/2014/main" id="{EA437061-3C60-E5DC-93D4-562C40E2D87B}"/>
+                <a16:creationId xmlns:a16="http://schemas.microsoft.com/office/drawing/2014/main" id="{423FEB81-7DDC-5993-9A64-FA1E709B428A}"/>
               </a:ext>
             </a:extLst>
           </p:cNvPr>
@@ -1848,9 +1848,9 @@
           <a:bodyPr/>
           <a:lstStyle/>
           <a:p>
-            <a:fld id="{6D9FDE46-6747-4AAB-9A5B-5F20ABF101B7}" type="datetimeFigureOut">
+            <a:fld id="{55CC4C02-3072-45D0-A6DA-7928F168FEBD}" type="datetimeFigureOut">
               <a:rPr lang="en-US" smtClean="0"/>
-              <a:t>4/20/2024</a:t>
+              <a:t>5/15/2024</a:t>
             </a:fld>
             <a:endParaRPr lang="en-US"/>
           </a:p>
@@ -1861,7 +1861,7 @@
           <p:cNvPr id="6" name="Footer Placeholder 5">
             <a:extLst>
               <a:ext uri="{FF2B5EF4-FFF2-40B4-BE49-F238E27FC236}">
-                <a16:creationId xmlns:a16="http://schemas.microsoft.com/office/drawing/2014/main" id="{6FA2F917-690E-7461-8B0B-2BEEFBD4FB72}"/>
+                <a16:creationId xmlns:a16="http://schemas.microsoft.com/office/drawing/2014/main" id="{CA82F7DB-88FA-D032-2586-EA4C17E0A545}"/>
               </a:ext>
             </a:extLst>
           </p:cNvPr>
@@ -1886,7 +1886,7 @@
           <p:cNvPr id="7" name="Slide Number Placeholder 6">
             <a:extLst>
               <a:ext uri="{FF2B5EF4-FFF2-40B4-BE49-F238E27FC236}">
-                <a16:creationId xmlns:a16="http://schemas.microsoft.com/office/drawing/2014/main" id="{B88BF3C9-87A9-276C-9DEB-7FE69826600C}"/>
+                <a16:creationId xmlns:a16="http://schemas.microsoft.com/office/drawing/2014/main" id="{72BF182E-26F3-7E5C-6494-265509858184}"/>
               </a:ext>
             </a:extLst>
           </p:cNvPr>
@@ -1902,7 +1902,7 @@
           <a:bodyPr/>
           <a:lstStyle/>
           <a:p>
-            <a:fld id="{EE984A01-63D9-4E11-BBF3-571464F961EE}" type="slidenum">
+            <a:fld id="{39C6F7E5-9A19-4C70-B833-A888FFED86D9}" type="slidenum">
               <a:rPr lang="en-US" smtClean="0"/>
               <a:t>‹#›</a:t>
             </a:fld>
@@ -1913,7 +1913,7 @@
     </p:spTree>
     <p:extLst>
       <p:ext uri="{BB962C8B-B14F-4D97-AF65-F5344CB8AC3E}">
-        <p14:creationId xmlns:p14="http://schemas.microsoft.com/office/powerpoint/2010/main" val="336293425"/>
+        <p14:creationId xmlns:p14="http://schemas.microsoft.com/office/powerpoint/2010/main" val="2499996709"/>
       </p:ext>
     </p:extLst>
   </p:cSld>
@@ -1945,7 +1945,7 @@
           <p:cNvPr id="2" name="Title 1">
             <a:extLst>
               <a:ext uri="{FF2B5EF4-FFF2-40B4-BE49-F238E27FC236}">
-                <a16:creationId xmlns:a16="http://schemas.microsoft.com/office/drawing/2014/main" id="{46A760A9-72BB-EE60-9619-1FF37426BD30}"/>
+                <a16:creationId xmlns:a16="http://schemas.microsoft.com/office/drawing/2014/main" id="{BED69345-4002-AA7A-E434-7183C2093974}"/>
               </a:ext>
             </a:extLst>
           </p:cNvPr>
@@ -1978,7 +1978,7 @@
           <p:cNvPr id="3" name="Text Placeholder 2">
             <a:extLst>
               <a:ext uri="{FF2B5EF4-FFF2-40B4-BE49-F238E27FC236}">
-                <a16:creationId xmlns:a16="http://schemas.microsoft.com/office/drawing/2014/main" id="{1650FDE9-F5BE-3805-E59F-0CC420DE04F9}"/>
+                <a16:creationId xmlns:a16="http://schemas.microsoft.com/office/drawing/2014/main" id="{9A1AC597-278E-E4CC-318A-136CAEDE1C7B}"/>
               </a:ext>
             </a:extLst>
           </p:cNvPr>
@@ -2049,7 +2049,7 @@
           <p:cNvPr id="4" name="Content Placeholder 3">
             <a:extLst>
               <a:ext uri="{FF2B5EF4-FFF2-40B4-BE49-F238E27FC236}">
-                <a16:creationId xmlns:a16="http://schemas.microsoft.com/office/drawing/2014/main" id="{D0624663-C49C-28F2-2B05-4CE378C46D89}"/>
+                <a16:creationId xmlns:a16="http://schemas.microsoft.com/office/drawing/2014/main" id="{406CE437-6DDD-FCD6-4C00-73836B727C45}"/>
               </a:ext>
             </a:extLst>
           </p:cNvPr>
@@ -2111,7 +2111,7 @@
           <p:cNvPr id="5" name="Text Placeholder 4">
             <a:extLst>
               <a:ext uri="{FF2B5EF4-FFF2-40B4-BE49-F238E27FC236}">
-                <a16:creationId xmlns:a16="http://schemas.microsoft.com/office/drawing/2014/main" id="{95DD3971-E256-4298-4382-84274539095C}"/>
+                <a16:creationId xmlns:a16="http://schemas.microsoft.com/office/drawing/2014/main" id="{8444EEA2-64F5-4A7B-2D59-E17916CA8AD4}"/>
               </a:ext>
             </a:extLst>
           </p:cNvPr>
@@ -2182,7 +2182,7 @@
           <p:cNvPr id="6" name="Content Placeholder 5">
             <a:extLst>
               <a:ext uri="{FF2B5EF4-FFF2-40B4-BE49-F238E27FC236}">
-                <a16:creationId xmlns:a16="http://schemas.microsoft.com/office/drawing/2014/main" id="{4304E66D-A631-F60E-CED0-4F9E55EFE5AC}"/>
+                <a16:creationId xmlns:a16="http://schemas.microsoft.com/office/drawing/2014/main" id="{0141155F-1B83-F341-A84C-00C5AC849A12}"/>
               </a:ext>
             </a:extLst>
           </p:cNvPr>
@@ -2244,7 +2244,7 @@
           <p:cNvPr id="7" name="Date Placeholder 6">
             <a:extLst>
               <a:ext uri="{FF2B5EF4-FFF2-40B4-BE49-F238E27FC236}">
-                <a16:creationId xmlns:a16="http://schemas.microsoft.com/office/drawing/2014/main" id="{9AD3BFAD-56CE-7A0C-6BA7-B760FFFF57AE}"/>
+                <a16:creationId xmlns:a16="http://schemas.microsoft.com/office/drawing/2014/main" id="{687BA04E-7DE5-52F9-EBAE-22E425D8A8A8}"/>
               </a:ext>
             </a:extLst>
           </p:cNvPr>
@@ -2260,9 +2260,9 @@
           <a:bodyPr/>
           <a:lstStyle/>
           <a:p>
-            <a:fld id="{6D9FDE46-6747-4AAB-9A5B-5F20ABF101B7}" type="datetimeFigureOut">
+            <a:fld id="{55CC4C02-3072-45D0-A6DA-7928F168FEBD}" type="datetimeFigureOut">
               <a:rPr lang="en-US" smtClean="0"/>
-              <a:t>4/20/2024</a:t>
+              <a:t>5/15/2024</a:t>
             </a:fld>
             <a:endParaRPr lang="en-US"/>
           </a:p>
@@ -2273,7 +2273,7 @@
           <p:cNvPr id="8" name="Footer Placeholder 7">
             <a:extLst>
               <a:ext uri="{FF2B5EF4-FFF2-40B4-BE49-F238E27FC236}">
-                <a16:creationId xmlns:a16="http://schemas.microsoft.com/office/drawing/2014/main" id="{73747115-36D9-ACAD-BD84-1FB64EEE0FC9}"/>
+                <a16:creationId xmlns:a16="http://schemas.microsoft.com/office/drawing/2014/main" id="{9E17AADC-B447-A9C4-2471-1BCF54FFDDCB}"/>
               </a:ext>
             </a:extLst>
           </p:cNvPr>
@@ -2298,7 +2298,7 @@
           <p:cNvPr id="9" name="Slide Number Placeholder 8">
             <a:extLst>
               <a:ext uri="{FF2B5EF4-FFF2-40B4-BE49-F238E27FC236}">
-                <a16:creationId xmlns:a16="http://schemas.microsoft.com/office/drawing/2014/main" id="{D739D64F-DF95-F0D8-343B-D1D0F35DC040}"/>
+                <a16:creationId xmlns:a16="http://schemas.microsoft.com/office/drawing/2014/main" id="{580A3C7A-5363-45FD-45A7-7FE3006AA913}"/>
               </a:ext>
             </a:extLst>
           </p:cNvPr>
@@ -2314,7 +2314,7 @@
           <a:bodyPr/>
           <a:lstStyle/>
           <a:p>
-            <a:fld id="{EE984A01-63D9-4E11-BBF3-571464F961EE}" type="slidenum">
+            <a:fld id="{39C6F7E5-9A19-4C70-B833-A888FFED86D9}" type="slidenum">
               <a:rPr lang="en-US" smtClean="0"/>
               <a:t>‹#›</a:t>
             </a:fld>
@@ -2325,7 +2325,7 @@
     </p:spTree>
     <p:extLst>
       <p:ext uri="{BB962C8B-B14F-4D97-AF65-F5344CB8AC3E}">
-        <p14:creationId xmlns:p14="http://schemas.microsoft.com/office/powerpoint/2010/main" val="3864763615"/>
+        <p14:creationId xmlns:p14="http://schemas.microsoft.com/office/powerpoint/2010/main" val="1296905937"/>
       </p:ext>
     </p:extLst>
   </p:cSld>
@@ -2357,7 +2357,7 @@
           <p:cNvPr id="2" name="Title 1">
             <a:extLst>
               <a:ext uri="{FF2B5EF4-FFF2-40B4-BE49-F238E27FC236}">
-                <a16:creationId xmlns:a16="http://schemas.microsoft.com/office/drawing/2014/main" id="{C2478387-D7D2-1FED-8B03-198C5BA6F43E}"/>
+                <a16:creationId xmlns:a16="http://schemas.microsoft.com/office/drawing/2014/main" id="{61ED85CE-A3F9-DA03-9234-1906DC7A3FD8}"/>
               </a:ext>
             </a:extLst>
           </p:cNvPr>
@@ -2385,7 +2385,7 @@
           <p:cNvPr id="3" name="Date Placeholder 2">
             <a:extLst>
               <a:ext uri="{FF2B5EF4-FFF2-40B4-BE49-F238E27FC236}">
-                <a16:creationId xmlns:a16="http://schemas.microsoft.com/office/drawing/2014/main" id="{D3CA7392-7393-B5AC-CFA1-C99CED4EF80A}"/>
+                <a16:creationId xmlns:a16="http://schemas.microsoft.com/office/drawing/2014/main" id="{E7B0A2AC-66AB-4B7F-8ACD-3007F04B7911}"/>
               </a:ext>
             </a:extLst>
           </p:cNvPr>
@@ -2401,9 +2401,9 @@
           <a:bodyPr/>
           <a:lstStyle/>
           <a:p>
-            <a:fld id="{6D9FDE46-6747-4AAB-9A5B-5F20ABF101B7}" type="datetimeFigureOut">
+            <a:fld id="{55CC4C02-3072-45D0-A6DA-7928F168FEBD}" type="datetimeFigureOut">
               <a:rPr lang="en-US" smtClean="0"/>
-              <a:t>4/20/2024</a:t>
+              <a:t>5/15/2024</a:t>
             </a:fld>
             <a:endParaRPr lang="en-US"/>
           </a:p>
@@ -2414,7 +2414,7 @@
           <p:cNvPr id="4" name="Footer Placeholder 3">
             <a:extLst>
               <a:ext uri="{FF2B5EF4-FFF2-40B4-BE49-F238E27FC236}">
-                <a16:creationId xmlns:a16="http://schemas.microsoft.com/office/drawing/2014/main" id="{005CFB6C-34D5-2263-8933-4CCB3BDB25F3}"/>
+                <a16:creationId xmlns:a16="http://schemas.microsoft.com/office/drawing/2014/main" id="{A8FB6741-9BB3-D7E7-DA94-BDCAC7DE7A36}"/>
               </a:ext>
             </a:extLst>
           </p:cNvPr>
@@ -2439,7 +2439,7 @@
           <p:cNvPr id="5" name="Slide Number Placeholder 4">
             <a:extLst>
               <a:ext uri="{FF2B5EF4-FFF2-40B4-BE49-F238E27FC236}">
-                <a16:creationId xmlns:a16="http://schemas.microsoft.com/office/drawing/2014/main" id="{7A65C224-79E9-D559-71B2-689674C632CC}"/>
+                <a16:creationId xmlns:a16="http://schemas.microsoft.com/office/drawing/2014/main" id="{1C08D9C7-C06C-36A1-ECF7-BE5C699FA9F8}"/>
               </a:ext>
             </a:extLst>
           </p:cNvPr>
@@ -2455,7 +2455,7 @@
           <a:bodyPr/>
           <a:lstStyle/>
           <a:p>
-            <a:fld id="{EE984A01-63D9-4E11-BBF3-571464F961EE}" type="slidenum">
+            <a:fld id="{39C6F7E5-9A19-4C70-B833-A888FFED86D9}" type="slidenum">
               <a:rPr lang="en-US" smtClean="0"/>
               <a:t>‹#›</a:t>
             </a:fld>
@@ -2466,7 +2466,7 @@
     </p:spTree>
     <p:extLst>
       <p:ext uri="{BB962C8B-B14F-4D97-AF65-F5344CB8AC3E}">
-        <p14:creationId xmlns:p14="http://schemas.microsoft.com/office/powerpoint/2010/main" val="2831301592"/>
+        <p14:creationId xmlns:p14="http://schemas.microsoft.com/office/powerpoint/2010/main" val="1713794308"/>
       </p:ext>
     </p:extLst>
   </p:cSld>
@@ -2498,7 +2498,7 @@
           <p:cNvPr id="2" name="Date Placeholder 1">
             <a:extLst>
               <a:ext uri="{FF2B5EF4-FFF2-40B4-BE49-F238E27FC236}">
-                <a16:creationId xmlns:a16="http://schemas.microsoft.com/office/drawing/2014/main" id="{61D3F673-E2D5-96BC-82E2-9420F4891EE4}"/>
+                <a16:creationId xmlns:a16="http://schemas.microsoft.com/office/drawing/2014/main" id="{87222A20-AFE8-187B-7AB0-01B045238659}"/>
               </a:ext>
             </a:extLst>
           </p:cNvPr>
@@ -2514,9 +2514,9 @@
           <a:bodyPr/>
           <a:lstStyle/>
           <a:p>
-            <a:fld id="{6D9FDE46-6747-4AAB-9A5B-5F20ABF101B7}" type="datetimeFigureOut">
+            <a:fld id="{55CC4C02-3072-45D0-A6DA-7928F168FEBD}" type="datetimeFigureOut">
               <a:rPr lang="en-US" smtClean="0"/>
-              <a:t>4/20/2024</a:t>
+              <a:t>5/15/2024</a:t>
             </a:fld>
             <a:endParaRPr lang="en-US"/>
           </a:p>
@@ -2527,7 +2527,7 @@
           <p:cNvPr id="3" name="Footer Placeholder 2">
             <a:extLst>
               <a:ext uri="{FF2B5EF4-FFF2-40B4-BE49-F238E27FC236}">
-                <a16:creationId xmlns:a16="http://schemas.microsoft.com/office/drawing/2014/main" id="{2461B971-436B-81A8-1DEB-DE839C69736F}"/>
+                <a16:creationId xmlns:a16="http://schemas.microsoft.com/office/drawing/2014/main" id="{37C67C99-1AC0-3023-87CE-B0C005A1CE10}"/>
               </a:ext>
             </a:extLst>
           </p:cNvPr>
@@ -2552,7 +2552,7 @@
           <p:cNvPr id="4" name="Slide Number Placeholder 3">
             <a:extLst>
               <a:ext uri="{FF2B5EF4-FFF2-40B4-BE49-F238E27FC236}">
-                <a16:creationId xmlns:a16="http://schemas.microsoft.com/office/drawing/2014/main" id="{0D258DDA-6999-3E2F-C359-AC3A08850709}"/>
+                <a16:creationId xmlns:a16="http://schemas.microsoft.com/office/drawing/2014/main" id="{AFD3BA73-F4C9-E36E-1E47-A74B46E2B88C}"/>
               </a:ext>
             </a:extLst>
           </p:cNvPr>
@@ -2568,7 +2568,7 @@
           <a:bodyPr/>
           <a:lstStyle/>
           <a:p>
-            <a:fld id="{EE984A01-63D9-4E11-BBF3-571464F961EE}" type="slidenum">
+            <a:fld id="{39C6F7E5-9A19-4C70-B833-A888FFED86D9}" type="slidenum">
               <a:rPr lang="en-US" smtClean="0"/>
               <a:t>‹#›</a:t>
             </a:fld>
@@ -2579,7 +2579,7 @@
     </p:spTree>
     <p:extLst>
       <p:ext uri="{BB962C8B-B14F-4D97-AF65-F5344CB8AC3E}">
-        <p14:creationId xmlns:p14="http://schemas.microsoft.com/office/powerpoint/2010/main" val="3471978666"/>
+        <p14:creationId xmlns:p14="http://schemas.microsoft.com/office/powerpoint/2010/main" val="865793848"/>
       </p:ext>
     </p:extLst>
   </p:cSld>
@@ -2611,7 +2611,7 @@
           <p:cNvPr id="2" name="Title 1">
             <a:extLst>
               <a:ext uri="{FF2B5EF4-FFF2-40B4-BE49-F238E27FC236}">
-                <a16:creationId xmlns:a16="http://schemas.microsoft.com/office/drawing/2014/main" id="{5E3664DA-905D-B004-114B-A71965BB9C87}"/>
+                <a16:creationId xmlns:a16="http://schemas.microsoft.com/office/drawing/2014/main" id="{261901ED-FC15-0C34-85EA-52D569B0DDAB}"/>
               </a:ext>
             </a:extLst>
           </p:cNvPr>
@@ -2648,7 +2648,7 @@
           <p:cNvPr id="3" name="Content Placeholder 2">
             <a:extLst>
               <a:ext uri="{FF2B5EF4-FFF2-40B4-BE49-F238E27FC236}">
-                <a16:creationId xmlns:a16="http://schemas.microsoft.com/office/drawing/2014/main" id="{9925E1E2-79E7-6A51-C7B5-00391AD15D49}"/>
+                <a16:creationId xmlns:a16="http://schemas.microsoft.com/office/drawing/2014/main" id="{F38B46B4-8B40-9AD1-3D54-F2041847B832}"/>
               </a:ext>
             </a:extLst>
           </p:cNvPr>
@@ -2738,7 +2738,7 @@
           <p:cNvPr id="4" name="Text Placeholder 3">
             <a:extLst>
               <a:ext uri="{FF2B5EF4-FFF2-40B4-BE49-F238E27FC236}">
-                <a16:creationId xmlns:a16="http://schemas.microsoft.com/office/drawing/2014/main" id="{E209685F-D186-64A1-1FEA-19905BCD8C2C}"/>
+                <a16:creationId xmlns:a16="http://schemas.microsoft.com/office/drawing/2014/main" id="{2C3FCD2D-C7CA-915B-0A45-F73FB7D0BFF5}"/>
               </a:ext>
             </a:extLst>
           </p:cNvPr>
@@ -2809,7 +2809,7 @@
           <p:cNvPr id="5" name="Date Placeholder 4">
             <a:extLst>
               <a:ext uri="{FF2B5EF4-FFF2-40B4-BE49-F238E27FC236}">
-                <a16:creationId xmlns:a16="http://schemas.microsoft.com/office/drawing/2014/main" id="{A631AB05-7EA5-DCA7-D715-C5906C5A6E61}"/>
+                <a16:creationId xmlns:a16="http://schemas.microsoft.com/office/drawing/2014/main" id="{00EED0BC-BFD4-3C9C-24FD-B0D15AEF8CC4}"/>
               </a:ext>
             </a:extLst>
           </p:cNvPr>
@@ -2825,9 +2825,9 @@
           <a:bodyPr/>
           <a:lstStyle/>
           <a:p>
-            <a:fld id="{6D9FDE46-6747-4AAB-9A5B-5F20ABF101B7}" type="datetimeFigureOut">
+            <a:fld id="{55CC4C02-3072-45D0-A6DA-7928F168FEBD}" type="datetimeFigureOut">
               <a:rPr lang="en-US" smtClean="0"/>
-              <a:t>4/20/2024</a:t>
+              <a:t>5/15/2024</a:t>
             </a:fld>
             <a:endParaRPr lang="en-US"/>
           </a:p>
@@ -2838,7 +2838,7 @@
           <p:cNvPr id="6" name="Footer Placeholder 5">
             <a:extLst>
               <a:ext uri="{FF2B5EF4-FFF2-40B4-BE49-F238E27FC236}">
-                <a16:creationId xmlns:a16="http://schemas.microsoft.com/office/drawing/2014/main" id="{99F8F878-6E17-08DE-1451-8460A58B9A2F}"/>
+                <a16:creationId xmlns:a16="http://schemas.microsoft.com/office/drawing/2014/main" id="{4FE5D660-5B6B-C616-768C-C11067D87CCB}"/>
               </a:ext>
             </a:extLst>
           </p:cNvPr>
@@ -2863,7 +2863,7 @@
           <p:cNvPr id="7" name="Slide Number Placeholder 6">
             <a:extLst>
               <a:ext uri="{FF2B5EF4-FFF2-40B4-BE49-F238E27FC236}">
-                <a16:creationId xmlns:a16="http://schemas.microsoft.com/office/drawing/2014/main" id="{4F7460DF-A76C-8859-FF17-4BD8F9237F1A}"/>
+                <a16:creationId xmlns:a16="http://schemas.microsoft.com/office/drawing/2014/main" id="{2F9C37FE-6DB8-2EE7-0EF3-1005FE2A5414}"/>
               </a:ext>
             </a:extLst>
           </p:cNvPr>
@@ -2879,7 +2879,7 @@
           <a:bodyPr/>
           <a:lstStyle/>
           <a:p>
-            <a:fld id="{EE984A01-63D9-4E11-BBF3-571464F961EE}" type="slidenum">
+            <a:fld id="{39C6F7E5-9A19-4C70-B833-A888FFED86D9}" type="slidenum">
               <a:rPr lang="en-US" smtClean="0"/>
               <a:t>‹#›</a:t>
             </a:fld>
@@ -2890,7 +2890,7 @@
     </p:spTree>
     <p:extLst>
       <p:ext uri="{BB962C8B-B14F-4D97-AF65-F5344CB8AC3E}">
-        <p14:creationId xmlns:p14="http://schemas.microsoft.com/office/powerpoint/2010/main" val="2991989897"/>
+        <p14:creationId xmlns:p14="http://schemas.microsoft.com/office/powerpoint/2010/main" val="3174171594"/>
       </p:ext>
     </p:extLst>
   </p:cSld>
@@ -2922,7 +2922,7 @@
           <p:cNvPr id="2" name="Title 1">
             <a:extLst>
               <a:ext uri="{FF2B5EF4-FFF2-40B4-BE49-F238E27FC236}">
-                <a16:creationId xmlns:a16="http://schemas.microsoft.com/office/drawing/2014/main" id="{B22D11EB-B9DC-645F-BFF0-8B6AD25F0F9F}"/>
+                <a16:creationId xmlns:a16="http://schemas.microsoft.com/office/drawing/2014/main" id="{6505A337-12FB-4788-2A6F-5B5EA46A3762}"/>
               </a:ext>
             </a:extLst>
           </p:cNvPr>
@@ -2959,7 +2959,7 @@
           <p:cNvPr id="3" name="Picture Placeholder 2">
             <a:extLst>
               <a:ext uri="{FF2B5EF4-FFF2-40B4-BE49-F238E27FC236}">
-                <a16:creationId xmlns:a16="http://schemas.microsoft.com/office/drawing/2014/main" id="{E9562E11-9684-F516-84A2-A540681230B1}"/>
+                <a16:creationId xmlns:a16="http://schemas.microsoft.com/office/drawing/2014/main" id="{5403ECC5-CF14-236A-3BCC-718326948CDE}"/>
               </a:ext>
             </a:extLst>
           </p:cNvPr>
@@ -3026,7 +3026,7 @@
           <p:cNvPr id="4" name="Text Placeholder 3">
             <a:extLst>
               <a:ext uri="{FF2B5EF4-FFF2-40B4-BE49-F238E27FC236}">
-                <a16:creationId xmlns:a16="http://schemas.microsoft.com/office/drawing/2014/main" id="{FCFD6043-9621-CEB1-CDB0-C2543C6A9F63}"/>
+                <a16:creationId xmlns:a16="http://schemas.microsoft.com/office/drawing/2014/main" id="{B8E782CD-6C96-6A10-057B-AA8FC70F567F}"/>
               </a:ext>
             </a:extLst>
           </p:cNvPr>
@@ -3097,7 +3097,7 @@
           <p:cNvPr id="5" name="Date Placeholder 4">
             <a:extLst>
               <a:ext uri="{FF2B5EF4-FFF2-40B4-BE49-F238E27FC236}">
-                <a16:creationId xmlns:a16="http://schemas.microsoft.com/office/drawing/2014/main" id="{01570B39-863F-72F3-1DB5-D9AD30093EBA}"/>
+                <a16:creationId xmlns:a16="http://schemas.microsoft.com/office/drawing/2014/main" id="{5EC87087-344E-80B2-ABFB-79AAA67DC61D}"/>
               </a:ext>
             </a:extLst>
           </p:cNvPr>
@@ -3113,9 +3113,9 @@
           <a:bodyPr/>
           <a:lstStyle/>
           <a:p>
-            <a:fld id="{6D9FDE46-6747-4AAB-9A5B-5F20ABF101B7}" type="datetimeFigureOut">
+            <a:fld id="{55CC4C02-3072-45D0-A6DA-7928F168FEBD}" type="datetimeFigureOut">
               <a:rPr lang="en-US" smtClean="0"/>
-              <a:t>4/20/2024</a:t>
+              <a:t>5/15/2024</a:t>
             </a:fld>
             <a:endParaRPr lang="en-US"/>
           </a:p>
@@ -3126,7 +3126,7 @@
           <p:cNvPr id="6" name="Footer Placeholder 5">
             <a:extLst>
               <a:ext uri="{FF2B5EF4-FFF2-40B4-BE49-F238E27FC236}">
-                <a16:creationId xmlns:a16="http://schemas.microsoft.com/office/drawing/2014/main" id="{BA7744EF-C7CD-DDDE-DCC9-AE2B3B60E7C0}"/>
+                <a16:creationId xmlns:a16="http://schemas.microsoft.com/office/drawing/2014/main" id="{CD38A29C-4482-231B-EDA0-65CEE57C5859}"/>
               </a:ext>
             </a:extLst>
           </p:cNvPr>
@@ -3151,7 +3151,7 @@
           <p:cNvPr id="7" name="Slide Number Placeholder 6">
             <a:extLst>
               <a:ext uri="{FF2B5EF4-FFF2-40B4-BE49-F238E27FC236}">
-                <a16:creationId xmlns:a16="http://schemas.microsoft.com/office/drawing/2014/main" id="{75E4FE59-8E16-2E10-F892-5D84947256F6}"/>
+                <a16:creationId xmlns:a16="http://schemas.microsoft.com/office/drawing/2014/main" id="{0877352E-3780-661A-63E2-DA59D3874559}"/>
               </a:ext>
             </a:extLst>
           </p:cNvPr>
@@ -3167,7 +3167,7 @@
           <a:bodyPr/>
           <a:lstStyle/>
           <a:p>
-            <a:fld id="{EE984A01-63D9-4E11-BBF3-571464F961EE}" type="slidenum">
+            <a:fld id="{39C6F7E5-9A19-4C70-B833-A888FFED86D9}" type="slidenum">
               <a:rPr lang="en-US" smtClean="0"/>
               <a:t>‹#›</a:t>
             </a:fld>
@@ -3178,7 +3178,7 @@
     </p:spTree>
     <p:extLst>
       <p:ext uri="{BB962C8B-B14F-4D97-AF65-F5344CB8AC3E}">
-        <p14:creationId xmlns:p14="http://schemas.microsoft.com/office/powerpoint/2010/main" val="2709825109"/>
+        <p14:creationId xmlns:p14="http://schemas.microsoft.com/office/powerpoint/2010/main" val="1195120698"/>
       </p:ext>
     </p:extLst>
   </p:cSld>
@@ -3215,7 +3215,7 @@
           <p:cNvPr id="2" name="Title Placeholder 1">
             <a:extLst>
               <a:ext uri="{FF2B5EF4-FFF2-40B4-BE49-F238E27FC236}">
-                <a16:creationId xmlns:a16="http://schemas.microsoft.com/office/drawing/2014/main" id="{C443CC8E-AB08-2BEE-9795-90B1B1642864}"/>
+                <a16:creationId xmlns:a16="http://schemas.microsoft.com/office/drawing/2014/main" id="{B617560E-D9D5-C076-6F1E-851BE4209E96}"/>
               </a:ext>
             </a:extLst>
           </p:cNvPr>
@@ -3253,7 +3253,7 @@
           <p:cNvPr id="3" name="Text Placeholder 2">
             <a:extLst>
               <a:ext uri="{FF2B5EF4-FFF2-40B4-BE49-F238E27FC236}">
-                <a16:creationId xmlns:a16="http://schemas.microsoft.com/office/drawing/2014/main" id="{DB9FE6D5-8501-5C3C-0042-4248C50F4D0E}"/>
+                <a16:creationId xmlns:a16="http://schemas.microsoft.com/office/drawing/2014/main" id="{224C4974-8C61-332E-85EE-1BEBBB53F28A}"/>
               </a:ext>
             </a:extLst>
           </p:cNvPr>
@@ -3320,7 +3320,7 @@
           <p:cNvPr id="4" name="Date Placeholder 3">
             <a:extLst>
               <a:ext uri="{FF2B5EF4-FFF2-40B4-BE49-F238E27FC236}">
-                <a16:creationId xmlns:a16="http://schemas.microsoft.com/office/drawing/2014/main" id="{19B6CF38-1C13-2230-D2C0-A84C7853CA4E}"/>
+                <a16:creationId xmlns:a16="http://schemas.microsoft.com/office/drawing/2014/main" id="{EB0FF9EA-870B-3C6B-61F6-78F9AF551D1E}"/>
               </a:ext>
             </a:extLst>
           </p:cNvPr>
@@ -3354,9 +3354,9 @@
             </a:lvl1pPr>
           </a:lstStyle>
           <a:p>
-            <a:fld id="{6D9FDE46-6747-4AAB-9A5B-5F20ABF101B7}" type="datetimeFigureOut">
+            <a:fld id="{55CC4C02-3072-45D0-A6DA-7928F168FEBD}" type="datetimeFigureOut">
               <a:rPr lang="en-US" smtClean="0"/>
-              <a:t>4/20/2024</a:t>
+              <a:t>5/15/2024</a:t>
             </a:fld>
             <a:endParaRPr lang="en-US"/>
           </a:p>
@@ -3367,7 +3367,7 @@
           <p:cNvPr id="5" name="Footer Placeholder 4">
             <a:extLst>
               <a:ext uri="{FF2B5EF4-FFF2-40B4-BE49-F238E27FC236}">
-                <a16:creationId xmlns:a16="http://schemas.microsoft.com/office/drawing/2014/main" id="{74FD1839-96F5-6CA1-F58B-2E764CC63E60}"/>
+                <a16:creationId xmlns:a16="http://schemas.microsoft.com/office/drawing/2014/main" id="{C87B4E72-64C1-085D-5D52-1D59AF6183E8}"/>
               </a:ext>
             </a:extLst>
           </p:cNvPr>
@@ -3410,7 +3410,7 @@
           <p:cNvPr id="6" name="Slide Number Placeholder 5">
             <a:extLst>
               <a:ext uri="{FF2B5EF4-FFF2-40B4-BE49-F238E27FC236}">
-                <a16:creationId xmlns:a16="http://schemas.microsoft.com/office/drawing/2014/main" id="{C8F054D4-CE42-5744-6E55-31D084DFCF61}"/>
+                <a16:creationId xmlns:a16="http://schemas.microsoft.com/office/drawing/2014/main" id="{164899CF-51B2-0FBB-78A1-5195CB0A67F4}"/>
               </a:ext>
             </a:extLst>
           </p:cNvPr>
@@ -3444,7 +3444,7 @@
             </a:lvl1pPr>
           </a:lstStyle>
           <a:p>
-            <a:fld id="{EE984A01-63D9-4E11-BBF3-571464F961EE}" type="slidenum">
+            <a:fld id="{39C6F7E5-9A19-4C70-B833-A888FFED86D9}" type="slidenum">
               <a:rPr lang="en-US" smtClean="0"/>
               <a:t>‹#›</a:t>
             </a:fld>
@@ -3455,7 +3455,7 @@
     </p:spTree>
     <p:extLst>
       <p:ext uri="{BB962C8B-B14F-4D97-AF65-F5344CB8AC3E}">
-        <p14:creationId xmlns:p14="http://schemas.microsoft.com/office/powerpoint/2010/main" val="2729149443"/>
+        <p14:creationId xmlns:p14="http://schemas.microsoft.com/office/powerpoint/2010/main" val="2488304245"/>
       </p:ext>
     </p:extLst>
   </p:cSld>
@@ -3960,6 +3960,55 @@
             <a:normAutofit/>
           </a:bodyPr>
           <a:lstStyle/>
+          <a:p>
+            <a:r>
+              <a:rPr lang="th-TH" dirty="0">
+                <a:solidFill>
+                  <a:srgbClr val="000000"/>
+                </a:solidFill>
+                <a:latin typeface="TH SarabunPSK" panose="020B0500040200020003" pitchFamily="34" charset="-34"/>
+                <a:cs typeface="TH SarabunPSK" panose="020B0500040200020003" pitchFamily="34" charset="-34"/>
+              </a:rPr>
+              <a:t>บทที่ 7 การแสดงผลการเปรียบเทียบข้อมูล</a:t>
+            </a:r>
+            <a:r>
+              <a:rPr lang="en-US" dirty="0">
+                <a:solidFill>
+                  <a:srgbClr val="000000"/>
+                </a:solidFill>
+                <a:latin typeface="TH SarabunPSK" panose="020B0500040200020003" pitchFamily="34" charset="-34"/>
+                <a:cs typeface="TH SarabunPSK" panose="020B0500040200020003" pitchFamily="34" charset="-34"/>
+              </a:rPr>
+              <a:t> (</a:t>
+            </a:r>
+            <a:r>
+              <a:rPr lang="th-TH" dirty="0">
+                <a:solidFill>
+                  <a:srgbClr val="000000"/>
+                </a:solidFill>
+                <a:latin typeface="TH SarabunPSK" panose="020B0500040200020003" pitchFamily="34" charset="-34"/>
+                <a:cs typeface="TH SarabunPSK" panose="020B0500040200020003" pitchFamily="34" charset="-34"/>
+              </a:rPr>
+              <a:t>ต่อ</a:t>
+            </a:r>
+            <a:r>
+              <a:rPr lang="en-US" dirty="0">
+                <a:solidFill>
+                  <a:srgbClr val="000000"/>
+                </a:solidFill>
+                <a:latin typeface="TH SarabunPSK" panose="020B0500040200020003" pitchFamily="34" charset="-34"/>
+                <a:cs typeface="TH SarabunPSK" panose="020B0500040200020003" pitchFamily="34" charset="-34"/>
+              </a:rPr>
+              <a:t>)</a:t>
+            </a:r>
+            <a:endParaRPr lang="th-TH" dirty="0">
+              <a:solidFill>
+                <a:srgbClr val="000000"/>
+              </a:solidFill>
+              <a:latin typeface="TH SarabunPSK" panose="020B0500040200020003" pitchFamily="34" charset="-34"/>
+              <a:cs typeface="TH SarabunPSK" panose="020B0500040200020003" pitchFamily="34" charset="-34"/>
+            </a:endParaRPr>
+          </a:p>
           <a:p>
             <a:r>
               <a:rPr lang="en-US" dirty="0">

--- a/PPT/Class period 20.pptx
+++ b/PPT/Class period 20.pptx
@@ -123,6 +123,11 @@
       </a:defRPr>
     </a:lvl9pPr>
   </p:defaultTextStyle>
+  <p:extLst>
+    <p:ext uri="{EFAFB233-063F-42B5-8137-9DF3F51BA10A}">
+      <p15:sldGuideLst xmlns:p15="http://schemas.microsoft.com/office/powerpoint/2012/main"/>
+    </p:ext>
+  </p:extLst>
 </p:presentation>
 </file>
 
@@ -208,7 +213,7 @@
           <a:p>
             <a:fld id="{3D9A43FD-B287-4477-80FF-E9B8CD360078}" type="datetimeFigureOut">
               <a:rPr lang="en-US" smtClean="0"/>
-              <a:t>5/15/2024</a:t>
+              <a:t>6/17/2024</a:t>
             </a:fld>
             <a:endParaRPr lang="en-US"/>
           </a:p>
@@ -706,7 +711,7 @@
           <a:p>
             <a:fld id="{55CC4C02-3072-45D0-A6DA-7928F168FEBD}" type="datetimeFigureOut">
               <a:rPr lang="en-US" smtClean="0"/>
-              <a:t>5/15/2024</a:t>
+              <a:t>6/17/2024</a:t>
             </a:fld>
             <a:endParaRPr lang="en-US"/>
           </a:p>
@@ -904,7 +909,7 @@
           <a:p>
             <a:fld id="{55CC4C02-3072-45D0-A6DA-7928F168FEBD}" type="datetimeFigureOut">
               <a:rPr lang="en-US" smtClean="0"/>
-              <a:t>5/15/2024</a:t>
+              <a:t>6/17/2024</a:t>
             </a:fld>
             <a:endParaRPr lang="en-US"/>
           </a:p>
@@ -1112,7 +1117,7 @@
           <a:p>
             <a:fld id="{55CC4C02-3072-45D0-A6DA-7928F168FEBD}" type="datetimeFigureOut">
               <a:rPr lang="en-US" smtClean="0"/>
-              <a:t>5/15/2024</a:t>
+              <a:t>6/17/2024</a:t>
             </a:fld>
             <a:endParaRPr lang="en-US"/>
           </a:p>
@@ -1310,7 +1315,7 @@
           <a:p>
             <a:fld id="{55CC4C02-3072-45D0-A6DA-7928F168FEBD}" type="datetimeFigureOut">
               <a:rPr lang="en-US" smtClean="0"/>
-              <a:t>5/15/2024</a:t>
+              <a:t>6/17/2024</a:t>
             </a:fld>
             <a:endParaRPr lang="en-US"/>
           </a:p>
@@ -1585,7 +1590,7 @@
           <a:p>
             <a:fld id="{55CC4C02-3072-45D0-A6DA-7928F168FEBD}" type="datetimeFigureOut">
               <a:rPr lang="en-US" smtClean="0"/>
-              <a:t>5/15/2024</a:t>
+              <a:t>6/17/2024</a:t>
             </a:fld>
             <a:endParaRPr lang="en-US"/>
           </a:p>
@@ -1850,7 +1855,7 @@
           <a:p>
             <a:fld id="{55CC4C02-3072-45D0-A6DA-7928F168FEBD}" type="datetimeFigureOut">
               <a:rPr lang="en-US" smtClean="0"/>
-              <a:t>5/15/2024</a:t>
+              <a:t>6/17/2024</a:t>
             </a:fld>
             <a:endParaRPr lang="en-US"/>
           </a:p>
@@ -2262,7 +2267,7 @@
           <a:p>
             <a:fld id="{55CC4C02-3072-45D0-A6DA-7928F168FEBD}" type="datetimeFigureOut">
               <a:rPr lang="en-US" smtClean="0"/>
-              <a:t>5/15/2024</a:t>
+              <a:t>6/17/2024</a:t>
             </a:fld>
             <a:endParaRPr lang="en-US"/>
           </a:p>
@@ -2403,7 +2408,7 @@
           <a:p>
             <a:fld id="{55CC4C02-3072-45D0-A6DA-7928F168FEBD}" type="datetimeFigureOut">
               <a:rPr lang="en-US" smtClean="0"/>
-              <a:t>5/15/2024</a:t>
+              <a:t>6/17/2024</a:t>
             </a:fld>
             <a:endParaRPr lang="en-US"/>
           </a:p>
@@ -2516,7 +2521,7 @@
           <a:p>
             <a:fld id="{55CC4C02-3072-45D0-A6DA-7928F168FEBD}" type="datetimeFigureOut">
               <a:rPr lang="en-US" smtClean="0"/>
-              <a:t>5/15/2024</a:t>
+              <a:t>6/17/2024</a:t>
             </a:fld>
             <a:endParaRPr lang="en-US"/>
           </a:p>
@@ -2827,7 +2832,7 @@
           <a:p>
             <a:fld id="{55CC4C02-3072-45D0-A6DA-7928F168FEBD}" type="datetimeFigureOut">
               <a:rPr lang="en-US" smtClean="0"/>
-              <a:t>5/15/2024</a:t>
+              <a:t>6/17/2024</a:t>
             </a:fld>
             <a:endParaRPr lang="en-US"/>
           </a:p>
@@ -3115,7 +3120,7 @@
           <a:p>
             <a:fld id="{55CC4C02-3072-45D0-A6DA-7928F168FEBD}" type="datetimeFigureOut">
               <a:rPr lang="en-US" smtClean="0"/>
-              <a:t>5/15/2024</a:t>
+              <a:t>6/17/2024</a:t>
             </a:fld>
             <a:endParaRPr lang="en-US"/>
           </a:p>
@@ -3356,7 +3361,7 @@
           <a:p>
             <a:fld id="{55CC4C02-3072-45D0-A6DA-7928F168FEBD}" type="datetimeFigureOut">
               <a:rPr lang="en-US" smtClean="0"/>
-              <a:t>5/15/2024</a:t>
+              <a:t>6/17/2024</a:t>
             </a:fld>
             <a:endParaRPr lang="en-US"/>
           </a:p>
@@ -4027,6 +4032,73 @@
           </a:p>
         </p:txBody>
       </p:sp>
+      <p:sp>
+        <p:nvSpPr>
+          <p:cNvPr id="7" name="TextBox 6">
+            <a:extLst>
+              <a:ext uri="{FF2B5EF4-FFF2-40B4-BE49-F238E27FC236}">
+                <a16:creationId xmlns:a16="http://schemas.microsoft.com/office/drawing/2014/main" id="{A5049EC3-AA49-8D0D-2D64-EB2B3269435F}"/>
+              </a:ext>
+            </a:extLst>
+          </p:cNvPr>
+          <p:cNvSpPr txBox="1"/>
+          <p:nvPr/>
+        </p:nvSpPr>
+        <p:spPr>
+          <a:xfrm>
+            <a:off x="114677" y="6172611"/>
+            <a:ext cx="5532120" cy="461665"/>
+          </a:xfrm>
+          <a:prstGeom prst="rect">
+            <a:avLst/>
+          </a:prstGeom>
+          <a:noFill/>
+        </p:spPr>
+        <p:txBody>
+          <a:bodyPr wrap="square">
+            <a:spAutoFit/>
+          </a:bodyPr>
+          <a:lstStyle/>
+          <a:p>
+            <a:pPr algn="l"/>
+            <a:r>
+              <a:rPr lang="th-TH" sz="2400" dirty="0">
+                <a:latin typeface="TH SarabunPSK" panose="020B0500040200020003" pitchFamily="34" charset="-34"/>
+                <a:cs typeface="TH SarabunPSK" panose="020B0500040200020003" pitchFamily="34" charset="-34"/>
+              </a:rPr>
+              <a:t>โดย ผศ</a:t>
+            </a:r>
+            <a:r>
+              <a:rPr lang="en-US" sz="2400" dirty="0">
+                <a:latin typeface="TH SarabunPSK" panose="020B0500040200020003" pitchFamily="34" charset="-34"/>
+                <a:cs typeface="TH SarabunPSK" panose="020B0500040200020003" pitchFamily="34" charset="-34"/>
+              </a:rPr>
+              <a:t>. </a:t>
+            </a:r>
+            <a:r>
+              <a:rPr lang="th-TH" sz="2400" dirty="0">
+                <a:latin typeface="TH SarabunPSK" panose="020B0500040200020003" pitchFamily="34" charset="-34"/>
+                <a:cs typeface="TH SarabunPSK" panose="020B0500040200020003" pitchFamily="34" charset="-34"/>
+              </a:rPr>
+              <a:t>ดร</a:t>
+            </a:r>
+            <a:r>
+              <a:rPr lang="en-US" sz="2400" dirty="0">
+                <a:latin typeface="TH SarabunPSK" panose="020B0500040200020003" pitchFamily="34" charset="-34"/>
+                <a:cs typeface="TH SarabunPSK" panose="020B0500040200020003" pitchFamily="34" charset="-34"/>
+              </a:rPr>
+              <a:t>.</a:t>
+            </a:r>
+            <a:r>
+              <a:rPr lang="th-TH" sz="2400" dirty="0">
+                <a:latin typeface="TH SarabunPSK" panose="020B0500040200020003" pitchFamily="34" charset="-34"/>
+                <a:cs typeface="TH SarabunPSK" panose="020B0500040200020003" pitchFamily="34" charset="-34"/>
+              </a:rPr>
+              <a:t>ธนพงศ์ อินทระ สาขาวิชาสถิติ มหาวิทยาลัยขอนแก่น </a:t>
+            </a:r>
+          </a:p>
+        </p:txBody>
+      </p:sp>
     </p:spTree>
     <p:extLst>
       <p:ext uri="{BB962C8B-B14F-4D97-AF65-F5344CB8AC3E}">
@@ -4505,6 +4577,73 @@
           </a:p>
         </p:txBody>
       </p:sp>
+      <p:sp>
+        <p:nvSpPr>
+          <p:cNvPr id="9" name="TextBox 8">
+            <a:extLst>
+              <a:ext uri="{FF2B5EF4-FFF2-40B4-BE49-F238E27FC236}">
+                <a16:creationId xmlns:a16="http://schemas.microsoft.com/office/drawing/2014/main" id="{2DB8FC24-1B3F-D837-C0FD-F8B8382C7709}"/>
+              </a:ext>
+            </a:extLst>
+          </p:cNvPr>
+          <p:cNvSpPr txBox="1"/>
+          <p:nvPr/>
+        </p:nvSpPr>
+        <p:spPr>
+          <a:xfrm>
+            <a:off x="114677" y="6172611"/>
+            <a:ext cx="5532120" cy="461665"/>
+          </a:xfrm>
+          <a:prstGeom prst="rect">
+            <a:avLst/>
+          </a:prstGeom>
+          <a:noFill/>
+        </p:spPr>
+        <p:txBody>
+          <a:bodyPr wrap="square">
+            <a:spAutoFit/>
+          </a:bodyPr>
+          <a:lstStyle/>
+          <a:p>
+            <a:pPr algn="l"/>
+            <a:r>
+              <a:rPr lang="th-TH" sz="2400" dirty="0">
+                <a:latin typeface="TH SarabunPSK" panose="020B0500040200020003" pitchFamily="34" charset="-34"/>
+                <a:cs typeface="TH SarabunPSK" panose="020B0500040200020003" pitchFamily="34" charset="-34"/>
+              </a:rPr>
+              <a:t>โดย ผศ</a:t>
+            </a:r>
+            <a:r>
+              <a:rPr lang="en-US" sz="2400" dirty="0">
+                <a:latin typeface="TH SarabunPSK" panose="020B0500040200020003" pitchFamily="34" charset="-34"/>
+                <a:cs typeface="TH SarabunPSK" panose="020B0500040200020003" pitchFamily="34" charset="-34"/>
+              </a:rPr>
+              <a:t>. </a:t>
+            </a:r>
+            <a:r>
+              <a:rPr lang="th-TH" sz="2400" dirty="0">
+                <a:latin typeface="TH SarabunPSK" panose="020B0500040200020003" pitchFamily="34" charset="-34"/>
+                <a:cs typeface="TH SarabunPSK" panose="020B0500040200020003" pitchFamily="34" charset="-34"/>
+              </a:rPr>
+              <a:t>ดร</a:t>
+            </a:r>
+            <a:r>
+              <a:rPr lang="en-US" sz="2400" dirty="0">
+                <a:latin typeface="TH SarabunPSK" panose="020B0500040200020003" pitchFamily="34" charset="-34"/>
+                <a:cs typeface="TH SarabunPSK" panose="020B0500040200020003" pitchFamily="34" charset="-34"/>
+              </a:rPr>
+              <a:t>.</a:t>
+            </a:r>
+            <a:r>
+              <a:rPr lang="th-TH" sz="2400" dirty="0">
+                <a:latin typeface="TH SarabunPSK" panose="020B0500040200020003" pitchFamily="34" charset="-34"/>
+                <a:cs typeface="TH SarabunPSK" panose="020B0500040200020003" pitchFamily="34" charset="-34"/>
+              </a:rPr>
+              <a:t>ธนพงศ์ อินทระ สาขาวิชาสถิติ มหาวิทยาลัยขอนแก่น </a:t>
+            </a:r>
+          </a:p>
+        </p:txBody>
+      </p:sp>
     </p:spTree>
     <p:extLst>
       <p:ext uri="{BB962C8B-B14F-4D97-AF65-F5344CB8AC3E}">
@@ -5204,6 +5343,73 @@
           </a:prstGeom>
         </p:spPr>
       </p:pic>
+      <p:sp>
+        <p:nvSpPr>
+          <p:cNvPr id="11" name="TextBox 10">
+            <a:extLst>
+              <a:ext uri="{FF2B5EF4-FFF2-40B4-BE49-F238E27FC236}">
+                <a16:creationId xmlns:a16="http://schemas.microsoft.com/office/drawing/2014/main" id="{B53DAD3B-EF7A-94CD-9E35-73A83ED2F9BE}"/>
+              </a:ext>
+            </a:extLst>
+          </p:cNvPr>
+          <p:cNvSpPr txBox="1"/>
+          <p:nvPr/>
+        </p:nvSpPr>
+        <p:spPr>
+          <a:xfrm>
+            <a:off x="114677" y="6172611"/>
+            <a:ext cx="5532120" cy="461665"/>
+          </a:xfrm>
+          <a:prstGeom prst="rect">
+            <a:avLst/>
+          </a:prstGeom>
+          <a:noFill/>
+        </p:spPr>
+        <p:txBody>
+          <a:bodyPr wrap="square">
+            <a:spAutoFit/>
+          </a:bodyPr>
+          <a:lstStyle/>
+          <a:p>
+            <a:pPr algn="l"/>
+            <a:r>
+              <a:rPr lang="th-TH" sz="2400" dirty="0">
+                <a:latin typeface="TH SarabunPSK" panose="020B0500040200020003" pitchFamily="34" charset="-34"/>
+                <a:cs typeface="TH SarabunPSK" panose="020B0500040200020003" pitchFamily="34" charset="-34"/>
+              </a:rPr>
+              <a:t>โดย ผศ</a:t>
+            </a:r>
+            <a:r>
+              <a:rPr lang="en-US" sz="2400" dirty="0">
+                <a:latin typeface="TH SarabunPSK" panose="020B0500040200020003" pitchFamily="34" charset="-34"/>
+                <a:cs typeface="TH SarabunPSK" panose="020B0500040200020003" pitchFamily="34" charset="-34"/>
+              </a:rPr>
+              <a:t>. </a:t>
+            </a:r>
+            <a:r>
+              <a:rPr lang="th-TH" sz="2400" dirty="0">
+                <a:latin typeface="TH SarabunPSK" panose="020B0500040200020003" pitchFamily="34" charset="-34"/>
+                <a:cs typeface="TH SarabunPSK" panose="020B0500040200020003" pitchFamily="34" charset="-34"/>
+              </a:rPr>
+              <a:t>ดร</a:t>
+            </a:r>
+            <a:r>
+              <a:rPr lang="en-US" sz="2400" dirty="0">
+                <a:latin typeface="TH SarabunPSK" panose="020B0500040200020003" pitchFamily="34" charset="-34"/>
+                <a:cs typeface="TH SarabunPSK" panose="020B0500040200020003" pitchFamily="34" charset="-34"/>
+              </a:rPr>
+              <a:t>.</a:t>
+            </a:r>
+            <a:r>
+              <a:rPr lang="th-TH" sz="2400" dirty="0">
+                <a:latin typeface="TH SarabunPSK" panose="020B0500040200020003" pitchFamily="34" charset="-34"/>
+                <a:cs typeface="TH SarabunPSK" panose="020B0500040200020003" pitchFamily="34" charset="-34"/>
+              </a:rPr>
+              <a:t>ธนพงศ์ อินทระ สาขาวิชาสถิติ มหาวิทยาลัยขอนแก่น </a:t>
+            </a:r>
+          </a:p>
+        </p:txBody>
+      </p:sp>
     </p:spTree>
     <p:extLst>
       <p:ext uri="{BB962C8B-B14F-4D97-AF65-F5344CB8AC3E}">
@@ -5910,6 +6116,73 @@
           </a:p>
         </p:txBody>
       </p:sp>
+      <p:sp>
+        <p:nvSpPr>
+          <p:cNvPr id="9" name="TextBox 8">
+            <a:extLst>
+              <a:ext uri="{FF2B5EF4-FFF2-40B4-BE49-F238E27FC236}">
+                <a16:creationId xmlns:a16="http://schemas.microsoft.com/office/drawing/2014/main" id="{B12C5990-B00E-6CC0-AA85-4055A8EAFD5E}"/>
+              </a:ext>
+            </a:extLst>
+          </p:cNvPr>
+          <p:cNvSpPr txBox="1"/>
+          <p:nvPr/>
+        </p:nvSpPr>
+        <p:spPr>
+          <a:xfrm>
+            <a:off x="114677" y="6172611"/>
+            <a:ext cx="5532120" cy="461665"/>
+          </a:xfrm>
+          <a:prstGeom prst="rect">
+            <a:avLst/>
+          </a:prstGeom>
+          <a:noFill/>
+        </p:spPr>
+        <p:txBody>
+          <a:bodyPr wrap="square">
+            <a:spAutoFit/>
+          </a:bodyPr>
+          <a:lstStyle/>
+          <a:p>
+            <a:pPr algn="l"/>
+            <a:r>
+              <a:rPr lang="th-TH" sz="2400" dirty="0">
+                <a:latin typeface="TH SarabunPSK" panose="020B0500040200020003" pitchFamily="34" charset="-34"/>
+                <a:cs typeface="TH SarabunPSK" panose="020B0500040200020003" pitchFamily="34" charset="-34"/>
+              </a:rPr>
+              <a:t>โดย ผศ</a:t>
+            </a:r>
+            <a:r>
+              <a:rPr lang="en-US" sz="2400" dirty="0">
+                <a:latin typeface="TH SarabunPSK" panose="020B0500040200020003" pitchFamily="34" charset="-34"/>
+                <a:cs typeface="TH SarabunPSK" panose="020B0500040200020003" pitchFamily="34" charset="-34"/>
+              </a:rPr>
+              <a:t>. </a:t>
+            </a:r>
+            <a:r>
+              <a:rPr lang="th-TH" sz="2400" dirty="0">
+                <a:latin typeface="TH SarabunPSK" panose="020B0500040200020003" pitchFamily="34" charset="-34"/>
+                <a:cs typeface="TH SarabunPSK" panose="020B0500040200020003" pitchFamily="34" charset="-34"/>
+              </a:rPr>
+              <a:t>ดร</a:t>
+            </a:r>
+            <a:r>
+              <a:rPr lang="en-US" sz="2400" dirty="0">
+                <a:latin typeface="TH SarabunPSK" panose="020B0500040200020003" pitchFamily="34" charset="-34"/>
+                <a:cs typeface="TH SarabunPSK" panose="020B0500040200020003" pitchFamily="34" charset="-34"/>
+              </a:rPr>
+              <a:t>.</a:t>
+            </a:r>
+            <a:r>
+              <a:rPr lang="th-TH" sz="2400" dirty="0">
+                <a:latin typeface="TH SarabunPSK" panose="020B0500040200020003" pitchFamily="34" charset="-34"/>
+                <a:cs typeface="TH SarabunPSK" panose="020B0500040200020003" pitchFamily="34" charset="-34"/>
+              </a:rPr>
+              <a:t>ธนพงศ์ อินทระ สาขาวิชาสถิติ มหาวิทยาลัยขอนแก่น </a:t>
+            </a:r>
+          </a:p>
+        </p:txBody>
+      </p:sp>
     </p:spTree>
     <p:extLst>
       <p:ext uri="{BB962C8B-B14F-4D97-AF65-F5344CB8AC3E}">
@@ -6656,6 +6929,73 @@
           </a:p>
         </p:txBody>
       </p:sp>
+      <p:sp>
+        <p:nvSpPr>
+          <p:cNvPr id="9" name="TextBox 8">
+            <a:extLst>
+              <a:ext uri="{FF2B5EF4-FFF2-40B4-BE49-F238E27FC236}">
+                <a16:creationId xmlns:a16="http://schemas.microsoft.com/office/drawing/2014/main" id="{5FCEC28D-1F31-74C4-0727-101478B09B00}"/>
+              </a:ext>
+            </a:extLst>
+          </p:cNvPr>
+          <p:cNvSpPr txBox="1"/>
+          <p:nvPr/>
+        </p:nvSpPr>
+        <p:spPr>
+          <a:xfrm>
+            <a:off x="114677" y="6172611"/>
+            <a:ext cx="5532120" cy="461665"/>
+          </a:xfrm>
+          <a:prstGeom prst="rect">
+            <a:avLst/>
+          </a:prstGeom>
+          <a:noFill/>
+        </p:spPr>
+        <p:txBody>
+          <a:bodyPr wrap="square">
+            <a:spAutoFit/>
+          </a:bodyPr>
+          <a:lstStyle/>
+          <a:p>
+            <a:pPr algn="l"/>
+            <a:r>
+              <a:rPr lang="th-TH" sz="2400" dirty="0">
+                <a:latin typeface="TH SarabunPSK" panose="020B0500040200020003" pitchFamily="34" charset="-34"/>
+                <a:cs typeface="TH SarabunPSK" panose="020B0500040200020003" pitchFamily="34" charset="-34"/>
+              </a:rPr>
+              <a:t>โดย ผศ</a:t>
+            </a:r>
+            <a:r>
+              <a:rPr lang="en-US" sz="2400" dirty="0">
+                <a:latin typeface="TH SarabunPSK" panose="020B0500040200020003" pitchFamily="34" charset="-34"/>
+                <a:cs typeface="TH SarabunPSK" panose="020B0500040200020003" pitchFamily="34" charset="-34"/>
+              </a:rPr>
+              <a:t>. </a:t>
+            </a:r>
+            <a:r>
+              <a:rPr lang="th-TH" sz="2400" dirty="0">
+                <a:latin typeface="TH SarabunPSK" panose="020B0500040200020003" pitchFamily="34" charset="-34"/>
+                <a:cs typeface="TH SarabunPSK" panose="020B0500040200020003" pitchFamily="34" charset="-34"/>
+              </a:rPr>
+              <a:t>ดร</a:t>
+            </a:r>
+            <a:r>
+              <a:rPr lang="en-US" sz="2400" dirty="0">
+                <a:latin typeface="TH SarabunPSK" panose="020B0500040200020003" pitchFamily="34" charset="-34"/>
+                <a:cs typeface="TH SarabunPSK" panose="020B0500040200020003" pitchFamily="34" charset="-34"/>
+              </a:rPr>
+              <a:t>.</a:t>
+            </a:r>
+            <a:r>
+              <a:rPr lang="th-TH" sz="2400" dirty="0">
+                <a:latin typeface="TH SarabunPSK" panose="020B0500040200020003" pitchFamily="34" charset="-34"/>
+                <a:cs typeface="TH SarabunPSK" panose="020B0500040200020003" pitchFamily="34" charset="-34"/>
+              </a:rPr>
+              <a:t>ธนพงศ์ อินทระ สาขาวิชาสถิติ มหาวิทยาลัยขอนแก่น </a:t>
+            </a:r>
+          </a:p>
+        </p:txBody>
+      </p:sp>
     </p:spTree>
     <p:extLst>
       <p:ext uri="{BB962C8B-B14F-4D97-AF65-F5344CB8AC3E}">
@@ -7290,6 +7630,73 @@
           </a:prstGeom>
         </p:spPr>
       </p:pic>
+      <p:sp>
+        <p:nvSpPr>
+          <p:cNvPr id="10" name="TextBox 9">
+            <a:extLst>
+              <a:ext uri="{FF2B5EF4-FFF2-40B4-BE49-F238E27FC236}">
+                <a16:creationId xmlns:a16="http://schemas.microsoft.com/office/drawing/2014/main" id="{19BE87EA-7D3C-1B24-D2D2-8D6CA00E15CA}"/>
+              </a:ext>
+            </a:extLst>
+          </p:cNvPr>
+          <p:cNvSpPr txBox="1"/>
+          <p:nvPr/>
+        </p:nvSpPr>
+        <p:spPr>
+          <a:xfrm>
+            <a:off x="114677" y="6172611"/>
+            <a:ext cx="5532120" cy="461665"/>
+          </a:xfrm>
+          <a:prstGeom prst="rect">
+            <a:avLst/>
+          </a:prstGeom>
+          <a:noFill/>
+        </p:spPr>
+        <p:txBody>
+          <a:bodyPr wrap="square">
+            <a:spAutoFit/>
+          </a:bodyPr>
+          <a:lstStyle/>
+          <a:p>
+            <a:pPr algn="l"/>
+            <a:r>
+              <a:rPr lang="th-TH" sz="2400" dirty="0">
+                <a:latin typeface="TH SarabunPSK" panose="020B0500040200020003" pitchFamily="34" charset="-34"/>
+                <a:cs typeface="TH SarabunPSK" panose="020B0500040200020003" pitchFamily="34" charset="-34"/>
+              </a:rPr>
+              <a:t>โดย ผศ</a:t>
+            </a:r>
+            <a:r>
+              <a:rPr lang="en-US" sz="2400" dirty="0">
+                <a:latin typeface="TH SarabunPSK" panose="020B0500040200020003" pitchFamily="34" charset="-34"/>
+                <a:cs typeface="TH SarabunPSK" panose="020B0500040200020003" pitchFamily="34" charset="-34"/>
+              </a:rPr>
+              <a:t>. </a:t>
+            </a:r>
+            <a:r>
+              <a:rPr lang="th-TH" sz="2400" dirty="0">
+                <a:latin typeface="TH SarabunPSK" panose="020B0500040200020003" pitchFamily="34" charset="-34"/>
+                <a:cs typeface="TH SarabunPSK" panose="020B0500040200020003" pitchFamily="34" charset="-34"/>
+              </a:rPr>
+              <a:t>ดร</a:t>
+            </a:r>
+            <a:r>
+              <a:rPr lang="en-US" sz="2400" dirty="0">
+                <a:latin typeface="TH SarabunPSK" panose="020B0500040200020003" pitchFamily="34" charset="-34"/>
+                <a:cs typeface="TH SarabunPSK" panose="020B0500040200020003" pitchFamily="34" charset="-34"/>
+              </a:rPr>
+              <a:t>.</a:t>
+            </a:r>
+            <a:r>
+              <a:rPr lang="th-TH" sz="2400" dirty="0">
+                <a:latin typeface="TH SarabunPSK" panose="020B0500040200020003" pitchFamily="34" charset="-34"/>
+                <a:cs typeface="TH SarabunPSK" panose="020B0500040200020003" pitchFamily="34" charset="-34"/>
+              </a:rPr>
+              <a:t>ธนพงศ์ อินทระ สาขาวิชาสถิติ มหาวิทยาลัยขอนแก่น </a:t>
+            </a:r>
+          </a:p>
+        </p:txBody>
+      </p:sp>
     </p:spTree>
     <p:extLst>
       <p:ext uri="{BB962C8B-B14F-4D97-AF65-F5344CB8AC3E}">
@@ -7929,6 +8336,73 @@
           </a:prstGeom>
         </p:spPr>
       </p:pic>
+      <p:sp>
+        <p:nvSpPr>
+          <p:cNvPr id="10" name="TextBox 9">
+            <a:extLst>
+              <a:ext uri="{FF2B5EF4-FFF2-40B4-BE49-F238E27FC236}">
+                <a16:creationId xmlns:a16="http://schemas.microsoft.com/office/drawing/2014/main" id="{B151ABF0-2F5D-9517-7BFD-5E72F40E58C5}"/>
+              </a:ext>
+            </a:extLst>
+          </p:cNvPr>
+          <p:cNvSpPr txBox="1"/>
+          <p:nvPr/>
+        </p:nvSpPr>
+        <p:spPr>
+          <a:xfrm>
+            <a:off x="114677" y="6172611"/>
+            <a:ext cx="5532120" cy="461665"/>
+          </a:xfrm>
+          <a:prstGeom prst="rect">
+            <a:avLst/>
+          </a:prstGeom>
+          <a:noFill/>
+        </p:spPr>
+        <p:txBody>
+          <a:bodyPr wrap="square">
+            <a:spAutoFit/>
+          </a:bodyPr>
+          <a:lstStyle/>
+          <a:p>
+            <a:pPr algn="l"/>
+            <a:r>
+              <a:rPr lang="th-TH" sz="2400" dirty="0">
+                <a:latin typeface="TH SarabunPSK" panose="020B0500040200020003" pitchFamily="34" charset="-34"/>
+                <a:cs typeface="TH SarabunPSK" panose="020B0500040200020003" pitchFamily="34" charset="-34"/>
+              </a:rPr>
+              <a:t>โดย ผศ</a:t>
+            </a:r>
+            <a:r>
+              <a:rPr lang="en-US" sz="2400" dirty="0">
+                <a:latin typeface="TH SarabunPSK" panose="020B0500040200020003" pitchFamily="34" charset="-34"/>
+                <a:cs typeface="TH SarabunPSK" panose="020B0500040200020003" pitchFamily="34" charset="-34"/>
+              </a:rPr>
+              <a:t>. </a:t>
+            </a:r>
+            <a:r>
+              <a:rPr lang="th-TH" sz="2400" dirty="0">
+                <a:latin typeface="TH SarabunPSK" panose="020B0500040200020003" pitchFamily="34" charset="-34"/>
+                <a:cs typeface="TH SarabunPSK" panose="020B0500040200020003" pitchFamily="34" charset="-34"/>
+              </a:rPr>
+              <a:t>ดร</a:t>
+            </a:r>
+            <a:r>
+              <a:rPr lang="en-US" sz="2400" dirty="0">
+                <a:latin typeface="TH SarabunPSK" panose="020B0500040200020003" pitchFamily="34" charset="-34"/>
+                <a:cs typeface="TH SarabunPSK" panose="020B0500040200020003" pitchFamily="34" charset="-34"/>
+              </a:rPr>
+              <a:t>.</a:t>
+            </a:r>
+            <a:r>
+              <a:rPr lang="th-TH" sz="2400" dirty="0">
+                <a:latin typeface="TH SarabunPSK" panose="020B0500040200020003" pitchFamily="34" charset="-34"/>
+                <a:cs typeface="TH SarabunPSK" panose="020B0500040200020003" pitchFamily="34" charset="-34"/>
+              </a:rPr>
+              <a:t>ธนพงศ์ อินทระ สาขาวิชาสถิติ มหาวิทยาลัยขอนแก่น </a:t>
+            </a:r>
+          </a:p>
+        </p:txBody>
+      </p:sp>
     </p:spTree>
     <p:extLst>
       <p:ext uri="{BB962C8B-B14F-4D97-AF65-F5344CB8AC3E}">
@@ -8637,6 +9111,73 @@
           </a:prstGeom>
         </p:spPr>
       </p:pic>
+      <p:sp>
+        <p:nvSpPr>
+          <p:cNvPr id="10" name="TextBox 9">
+            <a:extLst>
+              <a:ext uri="{FF2B5EF4-FFF2-40B4-BE49-F238E27FC236}">
+                <a16:creationId xmlns:a16="http://schemas.microsoft.com/office/drawing/2014/main" id="{A5A67115-69D8-BA10-8143-98B8CCD775DA}"/>
+              </a:ext>
+            </a:extLst>
+          </p:cNvPr>
+          <p:cNvSpPr txBox="1"/>
+          <p:nvPr/>
+        </p:nvSpPr>
+        <p:spPr>
+          <a:xfrm>
+            <a:off x="114677" y="6172611"/>
+            <a:ext cx="5532120" cy="461665"/>
+          </a:xfrm>
+          <a:prstGeom prst="rect">
+            <a:avLst/>
+          </a:prstGeom>
+          <a:noFill/>
+        </p:spPr>
+        <p:txBody>
+          <a:bodyPr wrap="square">
+            <a:spAutoFit/>
+          </a:bodyPr>
+          <a:lstStyle/>
+          <a:p>
+            <a:pPr algn="l"/>
+            <a:r>
+              <a:rPr lang="th-TH" sz="2400" dirty="0">
+                <a:latin typeface="TH SarabunPSK" panose="020B0500040200020003" pitchFamily="34" charset="-34"/>
+                <a:cs typeface="TH SarabunPSK" panose="020B0500040200020003" pitchFamily="34" charset="-34"/>
+              </a:rPr>
+              <a:t>โดย ผศ</a:t>
+            </a:r>
+            <a:r>
+              <a:rPr lang="en-US" sz="2400" dirty="0">
+                <a:latin typeface="TH SarabunPSK" panose="020B0500040200020003" pitchFamily="34" charset="-34"/>
+                <a:cs typeface="TH SarabunPSK" panose="020B0500040200020003" pitchFamily="34" charset="-34"/>
+              </a:rPr>
+              <a:t>. </a:t>
+            </a:r>
+            <a:r>
+              <a:rPr lang="th-TH" sz="2400" dirty="0">
+                <a:latin typeface="TH SarabunPSK" panose="020B0500040200020003" pitchFamily="34" charset="-34"/>
+                <a:cs typeface="TH SarabunPSK" panose="020B0500040200020003" pitchFamily="34" charset="-34"/>
+              </a:rPr>
+              <a:t>ดร</a:t>
+            </a:r>
+            <a:r>
+              <a:rPr lang="en-US" sz="2400" dirty="0">
+                <a:latin typeface="TH SarabunPSK" panose="020B0500040200020003" pitchFamily="34" charset="-34"/>
+                <a:cs typeface="TH SarabunPSK" panose="020B0500040200020003" pitchFamily="34" charset="-34"/>
+              </a:rPr>
+              <a:t>.</a:t>
+            </a:r>
+            <a:r>
+              <a:rPr lang="th-TH" sz="2400" dirty="0">
+                <a:latin typeface="TH SarabunPSK" panose="020B0500040200020003" pitchFamily="34" charset="-34"/>
+                <a:cs typeface="TH SarabunPSK" panose="020B0500040200020003" pitchFamily="34" charset="-34"/>
+              </a:rPr>
+              <a:t>ธนพงศ์ อินทระ สาขาวิชาสถิติ มหาวิทยาลัยขอนแก่น </a:t>
+            </a:r>
+          </a:p>
+        </p:txBody>
+      </p:sp>
     </p:spTree>
     <p:extLst>
       <p:ext uri="{BB962C8B-B14F-4D97-AF65-F5344CB8AC3E}">
@@ -9160,6 +9701,73 @@
           </a:prstGeom>
         </p:spPr>
       </p:pic>
+      <p:sp>
+        <p:nvSpPr>
+          <p:cNvPr id="10" name="TextBox 9">
+            <a:extLst>
+              <a:ext uri="{FF2B5EF4-FFF2-40B4-BE49-F238E27FC236}">
+                <a16:creationId xmlns:a16="http://schemas.microsoft.com/office/drawing/2014/main" id="{2AA9F602-5426-1DFE-1358-808DA47146DE}"/>
+              </a:ext>
+            </a:extLst>
+          </p:cNvPr>
+          <p:cNvSpPr txBox="1"/>
+          <p:nvPr/>
+        </p:nvSpPr>
+        <p:spPr>
+          <a:xfrm>
+            <a:off x="114677" y="6172611"/>
+            <a:ext cx="5532120" cy="461665"/>
+          </a:xfrm>
+          <a:prstGeom prst="rect">
+            <a:avLst/>
+          </a:prstGeom>
+          <a:noFill/>
+        </p:spPr>
+        <p:txBody>
+          <a:bodyPr wrap="square">
+            <a:spAutoFit/>
+          </a:bodyPr>
+          <a:lstStyle/>
+          <a:p>
+            <a:pPr algn="l"/>
+            <a:r>
+              <a:rPr lang="th-TH" sz="2400" dirty="0">
+                <a:latin typeface="TH SarabunPSK" panose="020B0500040200020003" pitchFamily="34" charset="-34"/>
+                <a:cs typeface="TH SarabunPSK" panose="020B0500040200020003" pitchFamily="34" charset="-34"/>
+              </a:rPr>
+              <a:t>โดย ผศ</a:t>
+            </a:r>
+            <a:r>
+              <a:rPr lang="en-US" sz="2400" dirty="0">
+                <a:latin typeface="TH SarabunPSK" panose="020B0500040200020003" pitchFamily="34" charset="-34"/>
+                <a:cs typeface="TH SarabunPSK" panose="020B0500040200020003" pitchFamily="34" charset="-34"/>
+              </a:rPr>
+              <a:t>. </a:t>
+            </a:r>
+            <a:r>
+              <a:rPr lang="th-TH" sz="2400" dirty="0">
+                <a:latin typeface="TH SarabunPSK" panose="020B0500040200020003" pitchFamily="34" charset="-34"/>
+                <a:cs typeface="TH SarabunPSK" panose="020B0500040200020003" pitchFamily="34" charset="-34"/>
+              </a:rPr>
+              <a:t>ดร</a:t>
+            </a:r>
+            <a:r>
+              <a:rPr lang="en-US" sz="2400" dirty="0">
+                <a:latin typeface="TH SarabunPSK" panose="020B0500040200020003" pitchFamily="34" charset="-34"/>
+                <a:cs typeface="TH SarabunPSK" panose="020B0500040200020003" pitchFamily="34" charset="-34"/>
+              </a:rPr>
+              <a:t>.</a:t>
+            </a:r>
+            <a:r>
+              <a:rPr lang="th-TH" sz="2400" dirty="0">
+                <a:latin typeface="TH SarabunPSK" panose="020B0500040200020003" pitchFamily="34" charset="-34"/>
+                <a:cs typeface="TH SarabunPSK" panose="020B0500040200020003" pitchFamily="34" charset="-34"/>
+              </a:rPr>
+              <a:t>ธนพงศ์ อินทระ สาขาวิชาสถิติ มหาวิทยาลัยขอนแก่น </a:t>
+            </a:r>
+          </a:p>
+        </p:txBody>
+      </p:sp>
     </p:spTree>
     <p:extLst>
       <p:ext uri="{BB962C8B-B14F-4D97-AF65-F5344CB8AC3E}">
@@ -10071,6 +10679,73 @@
           </a:p>
         </p:txBody>
       </p:sp>
+      <p:sp>
+        <p:nvSpPr>
+          <p:cNvPr id="9" name="TextBox 8">
+            <a:extLst>
+              <a:ext uri="{FF2B5EF4-FFF2-40B4-BE49-F238E27FC236}">
+                <a16:creationId xmlns:a16="http://schemas.microsoft.com/office/drawing/2014/main" id="{4E09FB31-D925-8EBF-C474-CC937296AE2C}"/>
+              </a:ext>
+            </a:extLst>
+          </p:cNvPr>
+          <p:cNvSpPr txBox="1"/>
+          <p:nvPr/>
+        </p:nvSpPr>
+        <p:spPr>
+          <a:xfrm>
+            <a:off x="114677" y="6172611"/>
+            <a:ext cx="5532120" cy="461665"/>
+          </a:xfrm>
+          <a:prstGeom prst="rect">
+            <a:avLst/>
+          </a:prstGeom>
+          <a:noFill/>
+        </p:spPr>
+        <p:txBody>
+          <a:bodyPr wrap="square">
+            <a:spAutoFit/>
+          </a:bodyPr>
+          <a:lstStyle/>
+          <a:p>
+            <a:pPr algn="l"/>
+            <a:r>
+              <a:rPr lang="th-TH" sz="2400" dirty="0">
+                <a:latin typeface="TH SarabunPSK" panose="020B0500040200020003" pitchFamily="34" charset="-34"/>
+                <a:cs typeface="TH SarabunPSK" panose="020B0500040200020003" pitchFamily="34" charset="-34"/>
+              </a:rPr>
+              <a:t>โดย ผศ</a:t>
+            </a:r>
+            <a:r>
+              <a:rPr lang="en-US" sz="2400" dirty="0">
+                <a:latin typeface="TH SarabunPSK" panose="020B0500040200020003" pitchFamily="34" charset="-34"/>
+                <a:cs typeface="TH SarabunPSK" panose="020B0500040200020003" pitchFamily="34" charset="-34"/>
+              </a:rPr>
+              <a:t>. </a:t>
+            </a:r>
+            <a:r>
+              <a:rPr lang="th-TH" sz="2400" dirty="0">
+                <a:latin typeface="TH SarabunPSK" panose="020B0500040200020003" pitchFamily="34" charset="-34"/>
+                <a:cs typeface="TH SarabunPSK" panose="020B0500040200020003" pitchFamily="34" charset="-34"/>
+              </a:rPr>
+              <a:t>ดร</a:t>
+            </a:r>
+            <a:r>
+              <a:rPr lang="en-US" sz="2400" dirty="0">
+                <a:latin typeface="TH SarabunPSK" panose="020B0500040200020003" pitchFamily="34" charset="-34"/>
+                <a:cs typeface="TH SarabunPSK" panose="020B0500040200020003" pitchFamily="34" charset="-34"/>
+              </a:rPr>
+              <a:t>.</a:t>
+            </a:r>
+            <a:r>
+              <a:rPr lang="th-TH" sz="2400" dirty="0">
+                <a:latin typeface="TH SarabunPSK" panose="020B0500040200020003" pitchFamily="34" charset="-34"/>
+                <a:cs typeface="TH SarabunPSK" panose="020B0500040200020003" pitchFamily="34" charset="-34"/>
+              </a:rPr>
+              <a:t>ธนพงศ์ อินทระ สาขาวิชาสถิติ มหาวิทยาลัยขอนแก่น </a:t>
+            </a:r>
+          </a:p>
+        </p:txBody>
+      </p:sp>
     </p:spTree>
     <p:extLst>
       <p:ext uri="{BB962C8B-B14F-4D97-AF65-F5344CB8AC3E}">
@@ -10586,6 +11261,73 @@
           </a:xfrm>
         </p:spPr>
       </p:pic>
+      <p:sp>
+        <p:nvSpPr>
+          <p:cNvPr id="9" name="TextBox 8">
+            <a:extLst>
+              <a:ext uri="{FF2B5EF4-FFF2-40B4-BE49-F238E27FC236}">
+                <a16:creationId xmlns:a16="http://schemas.microsoft.com/office/drawing/2014/main" id="{87CFA120-C05F-439E-C1B1-707547861507}"/>
+              </a:ext>
+            </a:extLst>
+          </p:cNvPr>
+          <p:cNvSpPr txBox="1"/>
+          <p:nvPr/>
+        </p:nvSpPr>
+        <p:spPr>
+          <a:xfrm>
+            <a:off x="114677" y="6172611"/>
+            <a:ext cx="5532120" cy="461665"/>
+          </a:xfrm>
+          <a:prstGeom prst="rect">
+            <a:avLst/>
+          </a:prstGeom>
+          <a:noFill/>
+        </p:spPr>
+        <p:txBody>
+          <a:bodyPr wrap="square">
+            <a:spAutoFit/>
+          </a:bodyPr>
+          <a:lstStyle/>
+          <a:p>
+            <a:pPr algn="l"/>
+            <a:r>
+              <a:rPr lang="th-TH" sz="2400" dirty="0">
+                <a:latin typeface="TH SarabunPSK" panose="020B0500040200020003" pitchFamily="34" charset="-34"/>
+                <a:cs typeface="TH SarabunPSK" panose="020B0500040200020003" pitchFamily="34" charset="-34"/>
+              </a:rPr>
+              <a:t>โดย ผศ</a:t>
+            </a:r>
+            <a:r>
+              <a:rPr lang="en-US" sz="2400" dirty="0">
+                <a:latin typeface="TH SarabunPSK" panose="020B0500040200020003" pitchFamily="34" charset="-34"/>
+                <a:cs typeface="TH SarabunPSK" panose="020B0500040200020003" pitchFamily="34" charset="-34"/>
+              </a:rPr>
+              <a:t>. </a:t>
+            </a:r>
+            <a:r>
+              <a:rPr lang="th-TH" sz="2400" dirty="0">
+                <a:latin typeface="TH SarabunPSK" panose="020B0500040200020003" pitchFamily="34" charset="-34"/>
+                <a:cs typeface="TH SarabunPSK" panose="020B0500040200020003" pitchFamily="34" charset="-34"/>
+              </a:rPr>
+              <a:t>ดร</a:t>
+            </a:r>
+            <a:r>
+              <a:rPr lang="en-US" sz="2400" dirty="0">
+                <a:latin typeface="TH SarabunPSK" panose="020B0500040200020003" pitchFamily="34" charset="-34"/>
+                <a:cs typeface="TH SarabunPSK" panose="020B0500040200020003" pitchFamily="34" charset="-34"/>
+              </a:rPr>
+              <a:t>.</a:t>
+            </a:r>
+            <a:r>
+              <a:rPr lang="th-TH" sz="2400" dirty="0">
+                <a:latin typeface="TH SarabunPSK" panose="020B0500040200020003" pitchFamily="34" charset="-34"/>
+                <a:cs typeface="TH SarabunPSK" panose="020B0500040200020003" pitchFamily="34" charset="-34"/>
+              </a:rPr>
+              <a:t>ธนพงศ์ อินทระ สาขาวิชาสถิติ มหาวิทยาลัยขอนแก่น </a:t>
+            </a:r>
+          </a:p>
+        </p:txBody>
+      </p:sp>
     </p:spTree>
     <p:extLst>
       <p:ext uri="{BB962C8B-B14F-4D97-AF65-F5344CB8AC3E}">
@@ -11521,6 +12263,73 @@
           </a:p>
         </p:txBody>
       </p:sp>
+      <p:sp>
+        <p:nvSpPr>
+          <p:cNvPr id="9" name="TextBox 8">
+            <a:extLst>
+              <a:ext uri="{FF2B5EF4-FFF2-40B4-BE49-F238E27FC236}">
+                <a16:creationId xmlns:a16="http://schemas.microsoft.com/office/drawing/2014/main" id="{95B706C7-9C60-9C74-3774-0AEDE39C8AA5}"/>
+              </a:ext>
+            </a:extLst>
+          </p:cNvPr>
+          <p:cNvSpPr txBox="1"/>
+          <p:nvPr/>
+        </p:nvSpPr>
+        <p:spPr>
+          <a:xfrm>
+            <a:off x="114677" y="6172611"/>
+            <a:ext cx="5532120" cy="461665"/>
+          </a:xfrm>
+          <a:prstGeom prst="rect">
+            <a:avLst/>
+          </a:prstGeom>
+          <a:noFill/>
+        </p:spPr>
+        <p:txBody>
+          <a:bodyPr wrap="square">
+            <a:spAutoFit/>
+          </a:bodyPr>
+          <a:lstStyle/>
+          <a:p>
+            <a:pPr algn="l"/>
+            <a:r>
+              <a:rPr lang="th-TH" sz="2400" dirty="0">
+                <a:latin typeface="TH SarabunPSK" panose="020B0500040200020003" pitchFamily="34" charset="-34"/>
+                <a:cs typeface="TH SarabunPSK" panose="020B0500040200020003" pitchFamily="34" charset="-34"/>
+              </a:rPr>
+              <a:t>โดย ผศ</a:t>
+            </a:r>
+            <a:r>
+              <a:rPr lang="en-US" sz="2400" dirty="0">
+                <a:latin typeface="TH SarabunPSK" panose="020B0500040200020003" pitchFamily="34" charset="-34"/>
+                <a:cs typeface="TH SarabunPSK" panose="020B0500040200020003" pitchFamily="34" charset="-34"/>
+              </a:rPr>
+              <a:t>. </a:t>
+            </a:r>
+            <a:r>
+              <a:rPr lang="th-TH" sz="2400" dirty="0">
+                <a:latin typeface="TH SarabunPSK" panose="020B0500040200020003" pitchFamily="34" charset="-34"/>
+                <a:cs typeface="TH SarabunPSK" panose="020B0500040200020003" pitchFamily="34" charset="-34"/>
+              </a:rPr>
+              <a:t>ดร</a:t>
+            </a:r>
+            <a:r>
+              <a:rPr lang="en-US" sz="2400" dirty="0">
+                <a:latin typeface="TH SarabunPSK" panose="020B0500040200020003" pitchFamily="34" charset="-34"/>
+                <a:cs typeface="TH SarabunPSK" panose="020B0500040200020003" pitchFamily="34" charset="-34"/>
+              </a:rPr>
+              <a:t>.</a:t>
+            </a:r>
+            <a:r>
+              <a:rPr lang="th-TH" sz="2400" dirty="0">
+                <a:latin typeface="TH SarabunPSK" panose="020B0500040200020003" pitchFamily="34" charset="-34"/>
+                <a:cs typeface="TH SarabunPSK" panose="020B0500040200020003" pitchFamily="34" charset="-34"/>
+              </a:rPr>
+              <a:t>ธนพงศ์ อินทระ สาขาวิชาสถิติ มหาวิทยาลัยขอนแก่น </a:t>
+            </a:r>
+          </a:p>
+        </p:txBody>
+      </p:sp>
     </p:spTree>
     <p:extLst>
       <p:ext uri="{BB962C8B-B14F-4D97-AF65-F5344CB8AC3E}">
@@ -12596,6 +13405,73 @@
           </a:p>
         </p:txBody>
       </p:sp>
+      <p:sp>
+        <p:nvSpPr>
+          <p:cNvPr id="9" name="TextBox 8">
+            <a:extLst>
+              <a:ext uri="{FF2B5EF4-FFF2-40B4-BE49-F238E27FC236}">
+                <a16:creationId xmlns:a16="http://schemas.microsoft.com/office/drawing/2014/main" id="{2BD7AF04-503D-1E0E-797D-A0997E86F069}"/>
+              </a:ext>
+            </a:extLst>
+          </p:cNvPr>
+          <p:cNvSpPr txBox="1"/>
+          <p:nvPr/>
+        </p:nvSpPr>
+        <p:spPr>
+          <a:xfrm>
+            <a:off x="114677" y="6172611"/>
+            <a:ext cx="5532120" cy="461665"/>
+          </a:xfrm>
+          <a:prstGeom prst="rect">
+            <a:avLst/>
+          </a:prstGeom>
+          <a:noFill/>
+        </p:spPr>
+        <p:txBody>
+          <a:bodyPr wrap="square">
+            <a:spAutoFit/>
+          </a:bodyPr>
+          <a:lstStyle/>
+          <a:p>
+            <a:pPr algn="l"/>
+            <a:r>
+              <a:rPr lang="th-TH" sz="2400" dirty="0">
+                <a:latin typeface="TH SarabunPSK" panose="020B0500040200020003" pitchFamily="34" charset="-34"/>
+                <a:cs typeface="TH SarabunPSK" panose="020B0500040200020003" pitchFamily="34" charset="-34"/>
+              </a:rPr>
+              <a:t>โดย ผศ</a:t>
+            </a:r>
+            <a:r>
+              <a:rPr lang="en-US" sz="2400" dirty="0">
+                <a:latin typeface="TH SarabunPSK" panose="020B0500040200020003" pitchFamily="34" charset="-34"/>
+                <a:cs typeface="TH SarabunPSK" panose="020B0500040200020003" pitchFamily="34" charset="-34"/>
+              </a:rPr>
+              <a:t>. </a:t>
+            </a:r>
+            <a:r>
+              <a:rPr lang="th-TH" sz="2400" dirty="0">
+                <a:latin typeface="TH SarabunPSK" panose="020B0500040200020003" pitchFamily="34" charset="-34"/>
+                <a:cs typeface="TH SarabunPSK" panose="020B0500040200020003" pitchFamily="34" charset="-34"/>
+              </a:rPr>
+              <a:t>ดร</a:t>
+            </a:r>
+            <a:r>
+              <a:rPr lang="en-US" sz="2400" dirty="0">
+                <a:latin typeface="TH SarabunPSK" panose="020B0500040200020003" pitchFamily="34" charset="-34"/>
+                <a:cs typeface="TH SarabunPSK" panose="020B0500040200020003" pitchFamily="34" charset="-34"/>
+              </a:rPr>
+              <a:t>.</a:t>
+            </a:r>
+            <a:r>
+              <a:rPr lang="th-TH" sz="2400" dirty="0">
+                <a:latin typeface="TH SarabunPSK" panose="020B0500040200020003" pitchFamily="34" charset="-34"/>
+                <a:cs typeface="TH SarabunPSK" panose="020B0500040200020003" pitchFamily="34" charset="-34"/>
+              </a:rPr>
+              <a:t>ธนพงศ์ อินทระ สาขาวิชาสถิติ มหาวิทยาลัยขอนแก่น </a:t>
+            </a:r>
+          </a:p>
+        </p:txBody>
+      </p:sp>
     </p:spTree>
     <p:extLst>
       <p:ext uri="{BB962C8B-B14F-4D97-AF65-F5344CB8AC3E}">
@@ -13449,6 +14325,73 @@
           </a:p>
         </p:txBody>
       </p:sp>
+      <p:sp>
+        <p:nvSpPr>
+          <p:cNvPr id="9" name="TextBox 8">
+            <a:extLst>
+              <a:ext uri="{FF2B5EF4-FFF2-40B4-BE49-F238E27FC236}">
+                <a16:creationId xmlns:a16="http://schemas.microsoft.com/office/drawing/2014/main" id="{C36E4508-38A3-3659-0C6B-F2EC230549A0}"/>
+              </a:ext>
+            </a:extLst>
+          </p:cNvPr>
+          <p:cNvSpPr txBox="1"/>
+          <p:nvPr/>
+        </p:nvSpPr>
+        <p:spPr>
+          <a:xfrm>
+            <a:off x="114677" y="6172611"/>
+            <a:ext cx="5532120" cy="461665"/>
+          </a:xfrm>
+          <a:prstGeom prst="rect">
+            <a:avLst/>
+          </a:prstGeom>
+          <a:noFill/>
+        </p:spPr>
+        <p:txBody>
+          <a:bodyPr wrap="square">
+            <a:spAutoFit/>
+          </a:bodyPr>
+          <a:lstStyle/>
+          <a:p>
+            <a:pPr algn="l"/>
+            <a:r>
+              <a:rPr lang="th-TH" sz="2400" dirty="0">
+                <a:latin typeface="TH SarabunPSK" panose="020B0500040200020003" pitchFamily="34" charset="-34"/>
+                <a:cs typeface="TH SarabunPSK" panose="020B0500040200020003" pitchFamily="34" charset="-34"/>
+              </a:rPr>
+              <a:t>โดย ผศ</a:t>
+            </a:r>
+            <a:r>
+              <a:rPr lang="en-US" sz="2400" dirty="0">
+                <a:latin typeface="TH SarabunPSK" panose="020B0500040200020003" pitchFamily="34" charset="-34"/>
+                <a:cs typeface="TH SarabunPSK" panose="020B0500040200020003" pitchFamily="34" charset="-34"/>
+              </a:rPr>
+              <a:t>. </a:t>
+            </a:r>
+            <a:r>
+              <a:rPr lang="th-TH" sz="2400" dirty="0">
+                <a:latin typeface="TH SarabunPSK" panose="020B0500040200020003" pitchFamily="34" charset="-34"/>
+                <a:cs typeface="TH SarabunPSK" panose="020B0500040200020003" pitchFamily="34" charset="-34"/>
+              </a:rPr>
+              <a:t>ดร</a:t>
+            </a:r>
+            <a:r>
+              <a:rPr lang="en-US" sz="2400" dirty="0">
+                <a:latin typeface="TH SarabunPSK" panose="020B0500040200020003" pitchFamily="34" charset="-34"/>
+                <a:cs typeface="TH SarabunPSK" panose="020B0500040200020003" pitchFamily="34" charset="-34"/>
+              </a:rPr>
+              <a:t>.</a:t>
+            </a:r>
+            <a:r>
+              <a:rPr lang="th-TH" sz="2400" dirty="0">
+                <a:latin typeface="TH SarabunPSK" panose="020B0500040200020003" pitchFamily="34" charset="-34"/>
+                <a:cs typeface="TH SarabunPSK" panose="020B0500040200020003" pitchFamily="34" charset="-34"/>
+              </a:rPr>
+              <a:t>ธนพงศ์ อินทระ สาขาวิชาสถิติ มหาวิทยาลัยขอนแก่น </a:t>
+            </a:r>
+          </a:p>
+        </p:txBody>
+      </p:sp>
     </p:spTree>
     <p:extLst>
       <p:ext uri="{BB962C8B-B14F-4D97-AF65-F5344CB8AC3E}">
@@ -13941,6 +14884,73 @@
           </a:xfrm>
         </p:spPr>
       </p:pic>
+      <p:sp>
+        <p:nvSpPr>
+          <p:cNvPr id="9" name="TextBox 8">
+            <a:extLst>
+              <a:ext uri="{FF2B5EF4-FFF2-40B4-BE49-F238E27FC236}">
+                <a16:creationId xmlns:a16="http://schemas.microsoft.com/office/drawing/2014/main" id="{32E25456-0A1F-4F48-0B58-0B91D08B3B6D}"/>
+              </a:ext>
+            </a:extLst>
+          </p:cNvPr>
+          <p:cNvSpPr txBox="1"/>
+          <p:nvPr/>
+        </p:nvSpPr>
+        <p:spPr>
+          <a:xfrm>
+            <a:off x="114677" y="6172611"/>
+            <a:ext cx="5532120" cy="461665"/>
+          </a:xfrm>
+          <a:prstGeom prst="rect">
+            <a:avLst/>
+          </a:prstGeom>
+          <a:noFill/>
+        </p:spPr>
+        <p:txBody>
+          <a:bodyPr wrap="square">
+            <a:spAutoFit/>
+          </a:bodyPr>
+          <a:lstStyle/>
+          <a:p>
+            <a:pPr algn="l"/>
+            <a:r>
+              <a:rPr lang="th-TH" sz="2400" dirty="0">
+                <a:latin typeface="TH SarabunPSK" panose="020B0500040200020003" pitchFamily="34" charset="-34"/>
+                <a:cs typeface="TH SarabunPSK" panose="020B0500040200020003" pitchFamily="34" charset="-34"/>
+              </a:rPr>
+              <a:t>โดย ผศ</a:t>
+            </a:r>
+            <a:r>
+              <a:rPr lang="en-US" sz="2400" dirty="0">
+                <a:latin typeface="TH SarabunPSK" panose="020B0500040200020003" pitchFamily="34" charset="-34"/>
+                <a:cs typeface="TH SarabunPSK" panose="020B0500040200020003" pitchFamily="34" charset="-34"/>
+              </a:rPr>
+              <a:t>. </a:t>
+            </a:r>
+            <a:r>
+              <a:rPr lang="th-TH" sz="2400" dirty="0">
+                <a:latin typeface="TH SarabunPSK" panose="020B0500040200020003" pitchFamily="34" charset="-34"/>
+                <a:cs typeface="TH SarabunPSK" panose="020B0500040200020003" pitchFamily="34" charset="-34"/>
+              </a:rPr>
+              <a:t>ดร</a:t>
+            </a:r>
+            <a:r>
+              <a:rPr lang="en-US" sz="2400" dirty="0">
+                <a:latin typeface="TH SarabunPSK" panose="020B0500040200020003" pitchFamily="34" charset="-34"/>
+                <a:cs typeface="TH SarabunPSK" panose="020B0500040200020003" pitchFamily="34" charset="-34"/>
+              </a:rPr>
+              <a:t>.</a:t>
+            </a:r>
+            <a:r>
+              <a:rPr lang="th-TH" sz="2400" dirty="0">
+                <a:latin typeface="TH SarabunPSK" panose="020B0500040200020003" pitchFamily="34" charset="-34"/>
+                <a:cs typeface="TH SarabunPSK" panose="020B0500040200020003" pitchFamily="34" charset="-34"/>
+              </a:rPr>
+              <a:t>ธนพงศ์ อินทระ สาขาวิชาสถิติ มหาวิทยาลัยขอนแก่น </a:t>
+            </a:r>
+          </a:p>
+        </p:txBody>
+      </p:sp>
     </p:spTree>
     <p:extLst>
       <p:ext uri="{BB962C8B-B14F-4D97-AF65-F5344CB8AC3E}">
@@ -14778,6 +15788,73 @@
           </a:prstGeom>
         </p:spPr>
       </p:pic>
+      <p:sp>
+        <p:nvSpPr>
+          <p:cNvPr id="10" name="TextBox 9">
+            <a:extLst>
+              <a:ext uri="{FF2B5EF4-FFF2-40B4-BE49-F238E27FC236}">
+                <a16:creationId xmlns:a16="http://schemas.microsoft.com/office/drawing/2014/main" id="{E892A29D-255F-BAE6-12D8-C6C7C6733DAA}"/>
+              </a:ext>
+            </a:extLst>
+          </p:cNvPr>
+          <p:cNvSpPr txBox="1"/>
+          <p:nvPr/>
+        </p:nvSpPr>
+        <p:spPr>
+          <a:xfrm>
+            <a:off x="114677" y="6172611"/>
+            <a:ext cx="5532120" cy="461665"/>
+          </a:xfrm>
+          <a:prstGeom prst="rect">
+            <a:avLst/>
+          </a:prstGeom>
+          <a:noFill/>
+        </p:spPr>
+        <p:txBody>
+          <a:bodyPr wrap="square">
+            <a:spAutoFit/>
+          </a:bodyPr>
+          <a:lstStyle/>
+          <a:p>
+            <a:pPr algn="l"/>
+            <a:r>
+              <a:rPr lang="th-TH" sz="2400" dirty="0">
+                <a:latin typeface="TH SarabunPSK" panose="020B0500040200020003" pitchFamily="34" charset="-34"/>
+                <a:cs typeface="TH SarabunPSK" panose="020B0500040200020003" pitchFamily="34" charset="-34"/>
+              </a:rPr>
+              <a:t>โดย ผศ</a:t>
+            </a:r>
+            <a:r>
+              <a:rPr lang="en-US" sz="2400" dirty="0">
+                <a:latin typeface="TH SarabunPSK" panose="020B0500040200020003" pitchFamily="34" charset="-34"/>
+                <a:cs typeface="TH SarabunPSK" panose="020B0500040200020003" pitchFamily="34" charset="-34"/>
+              </a:rPr>
+              <a:t>. </a:t>
+            </a:r>
+            <a:r>
+              <a:rPr lang="th-TH" sz="2400" dirty="0">
+                <a:latin typeface="TH SarabunPSK" panose="020B0500040200020003" pitchFamily="34" charset="-34"/>
+                <a:cs typeface="TH SarabunPSK" panose="020B0500040200020003" pitchFamily="34" charset="-34"/>
+              </a:rPr>
+              <a:t>ดร</a:t>
+            </a:r>
+            <a:r>
+              <a:rPr lang="en-US" sz="2400" dirty="0">
+                <a:latin typeface="TH SarabunPSK" panose="020B0500040200020003" pitchFamily="34" charset="-34"/>
+                <a:cs typeface="TH SarabunPSK" panose="020B0500040200020003" pitchFamily="34" charset="-34"/>
+              </a:rPr>
+              <a:t>.</a:t>
+            </a:r>
+            <a:r>
+              <a:rPr lang="th-TH" sz="2400" dirty="0">
+                <a:latin typeface="TH SarabunPSK" panose="020B0500040200020003" pitchFamily="34" charset="-34"/>
+                <a:cs typeface="TH SarabunPSK" panose="020B0500040200020003" pitchFamily="34" charset="-34"/>
+              </a:rPr>
+              <a:t>ธนพงศ์ อินทระ สาขาวิชาสถิติ มหาวิทยาลัยขอนแก่น </a:t>
+            </a:r>
+          </a:p>
+        </p:txBody>
+      </p:sp>
     </p:spTree>
     <p:extLst>
       <p:ext uri="{BB962C8B-B14F-4D97-AF65-F5344CB8AC3E}">
@@ -15503,6 +16580,73 @@
           </a:prstGeom>
         </p:spPr>
       </p:pic>
+      <p:sp>
+        <p:nvSpPr>
+          <p:cNvPr id="10" name="TextBox 9">
+            <a:extLst>
+              <a:ext uri="{FF2B5EF4-FFF2-40B4-BE49-F238E27FC236}">
+                <a16:creationId xmlns:a16="http://schemas.microsoft.com/office/drawing/2014/main" id="{36BD2C00-1A61-7A3C-8CFA-466E476E0E77}"/>
+              </a:ext>
+            </a:extLst>
+          </p:cNvPr>
+          <p:cNvSpPr txBox="1"/>
+          <p:nvPr/>
+        </p:nvSpPr>
+        <p:spPr>
+          <a:xfrm>
+            <a:off x="114677" y="6172611"/>
+            <a:ext cx="5532120" cy="461665"/>
+          </a:xfrm>
+          <a:prstGeom prst="rect">
+            <a:avLst/>
+          </a:prstGeom>
+          <a:noFill/>
+        </p:spPr>
+        <p:txBody>
+          <a:bodyPr wrap="square">
+            <a:spAutoFit/>
+          </a:bodyPr>
+          <a:lstStyle/>
+          <a:p>
+            <a:pPr algn="l"/>
+            <a:r>
+              <a:rPr lang="th-TH" sz="2400" dirty="0">
+                <a:latin typeface="TH SarabunPSK" panose="020B0500040200020003" pitchFamily="34" charset="-34"/>
+                <a:cs typeface="TH SarabunPSK" panose="020B0500040200020003" pitchFamily="34" charset="-34"/>
+              </a:rPr>
+              <a:t>โดย ผศ</a:t>
+            </a:r>
+            <a:r>
+              <a:rPr lang="en-US" sz="2400" dirty="0">
+                <a:latin typeface="TH SarabunPSK" panose="020B0500040200020003" pitchFamily="34" charset="-34"/>
+                <a:cs typeface="TH SarabunPSK" panose="020B0500040200020003" pitchFamily="34" charset="-34"/>
+              </a:rPr>
+              <a:t>. </a:t>
+            </a:r>
+            <a:r>
+              <a:rPr lang="th-TH" sz="2400" dirty="0">
+                <a:latin typeface="TH SarabunPSK" panose="020B0500040200020003" pitchFamily="34" charset="-34"/>
+                <a:cs typeface="TH SarabunPSK" panose="020B0500040200020003" pitchFamily="34" charset="-34"/>
+              </a:rPr>
+              <a:t>ดร</a:t>
+            </a:r>
+            <a:r>
+              <a:rPr lang="en-US" sz="2400" dirty="0">
+                <a:latin typeface="TH SarabunPSK" panose="020B0500040200020003" pitchFamily="34" charset="-34"/>
+                <a:cs typeface="TH SarabunPSK" panose="020B0500040200020003" pitchFamily="34" charset="-34"/>
+              </a:rPr>
+              <a:t>.</a:t>
+            </a:r>
+            <a:r>
+              <a:rPr lang="th-TH" sz="2400" dirty="0">
+                <a:latin typeface="TH SarabunPSK" panose="020B0500040200020003" pitchFamily="34" charset="-34"/>
+                <a:cs typeface="TH SarabunPSK" panose="020B0500040200020003" pitchFamily="34" charset="-34"/>
+              </a:rPr>
+              <a:t>ธนพงศ์ อินทระ สาขาวิชาสถิติ มหาวิทยาลัยขอนแก่น </a:t>
+            </a:r>
+          </a:p>
+        </p:txBody>
+      </p:sp>
     </p:spTree>
     <p:extLst>
       <p:ext uri="{BB962C8B-B14F-4D97-AF65-F5344CB8AC3E}">
